--- a/slides/03-Cardinality.pptx
+++ b/slides/03-Cardinality.pptx
@@ -252,7 +252,7 @@
           <a:p>
             <a:fld id="{C5B45307-6ED4-B142-BD64-10F739779302}" type="datetimeFigureOut">
               <a:rPr lang="en-US" smtClean="0"/>
-              <a:t>7/28/23</a:t>
+              <a:t>8/3/23</a:t>
             </a:fld>
             <a:endParaRPr lang="en-US"/>
           </a:p>
@@ -1326,7 +1326,7 @@
           <a:noFill/>
           <a:extLst>
             <a:ext uri="{909E8E84-426E-40dd-AFC4-6F175D3DCCD1}">
-              <a14:hiddenFill xmlns:a14="http://schemas.microsoft.com/office/drawing/2010/main" xmlns="">
+              <a14:hiddenFill xmlns="" xmlns:a14="http://schemas.microsoft.com/office/drawing/2010/main">
                 <a:solidFill>
                   <a:srgbClr val="FFFFFF"/>
                 </a:solidFill>
@@ -1385,7 +1385,7 @@
             </a:ln>
             <a:extLst>
               <a:ext uri="{91240B29-F687-4f45-9708-019B960494DF}">
-                <a14:hiddenLine xmlns:a14="http://schemas.microsoft.com/office/drawing/2010/main" xmlns="" w="9525">
+                <a14:hiddenLine xmlns="" xmlns:a14="http://schemas.microsoft.com/office/drawing/2010/main" w="9525">
                   <a:solidFill>
                     <a:srgbClr val="000000"/>
                   </a:solidFill>
@@ -1475,7 +1475,7 @@
             </a:ln>
             <a:extLst>
               <a:ext uri="{91240B29-F687-4f45-9708-019B960494DF}">
-                <a14:hiddenLine xmlns:a14="http://schemas.microsoft.com/office/drawing/2010/main" xmlns="" w="9525">
+                <a14:hiddenLine xmlns="" xmlns:a14="http://schemas.microsoft.com/office/drawing/2010/main" w="9525">
                   <a:solidFill>
                     <a:srgbClr val="000000"/>
                   </a:solidFill>
@@ -1565,7 +1565,7 @@
             </a:ln>
             <a:extLst>
               <a:ext uri="{91240B29-F687-4f45-9708-019B960494DF}">
-                <a14:hiddenLine xmlns:a14="http://schemas.microsoft.com/office/drawing/2010/main" xmlns="" w="9525">
+                <a14:hiddenLine xmlns="" xmlns:a14="http://schemas.microsoft.com/office/drawing/2010/main" w="9525">
                   <a:solidFill>
                     <a:srgbClr val="000000"/>
                   </a:solidFill>
@@ -1599,7 +1599,7 @@
             </a:ln>
             <a:extLst>
               <a:ext uri="{91240B29-F687-4f45-9708-019B960494DF}">
-                <a14:hiddenLine xmlns:a14="http://schemas.microsoft.com/office/drawing/2010/main" xmlns="" w="9525">
+                <a14:hiddenLine xmlns="" xmlns:a14="http://schemas.microsoft.com/office/drawing/2010/main" w="9525">
                   <a:solidFill>
                     <a:srgbClr val="000000"/>
                   </a:solidFill>
@@ -1689,7 +1689,7 @@
             </a:ln>
             <a:extLst>
               <a:ext uri="{91240B29-F687-4f45-9708-019B960494DF}">
-                <a14:hiddenLine xmlns:a14="http://schemas.microsoft.com/office/drawing/2010/main" xmlns="" w="9525">
+                <a14:hiddenLine xmlns="" xmlns:a14="http://schemas.microsoft.com/office/drawing/2010/main" w="9525">
                   <a:solidFill>
                     <a:srgbClr val="000000"/>
                   </a:solidFill>
@@ -1751,7 +1751,7 @@
             </a:ln>
             <a:extLst>
               <a:ext uri="{91240B29-F687-4f45-9708-019B960494DF}">
-                <a14:hiddenLine xmlns:a14="http://schemas.microsoft.com/office/drawing/2010/main" xmlns="" w="9525">
+                <a14:hiddenLine xmlns="" xmlns:a14="http://schemas.microsoft.com/office/drawing/2010/main" w="9525">
                   <a:solidFill>
                     <a:srgbClr val="000000"/>
                   </a:solidFill>
@@ -1813,7 +1813,7 @@
             </a:ln>
             <a:extLst>
               <a:ext uri="{91240B29-F687-4f45-9708-019B960494DF}">
-                <a14:hiddenLine xmlns:a14="http://schemas.microsoft.com/office/drawing/2010/main" xmlns="" w="9525">
+                <a14:hiddenLine xmlns="" xmlns:a14="http://schemas.microsoft.com/office/drawing/2010/main" w="9525">
                   <a:solidFill>
                     <a:srgbClr val="000000"/>
                   </a:solidFill>
@@ -1903,7 +1903,7 @@
             </a:ln>
             <a:extLst>
               <a:ext uri="{91240B29-F687-4f45-9708-019B960494DF}">
-                <a14:hiddenLine xmlns:a14="http://schemas.microsoft.com/office/drawing/2010/main" xmlns="" w="9525">
+                <a14:hiddenLine xmlns="" xmlns:a14="http://schemas.microsoft.com/office/drawing/2010/main" w="9525">
                   <a:solidFill>
                     <a:srgbClr val="000000"/>
                   </a:solidFill>
@@ -1965,7 +1965,7 @@
             </a:ln>
             <a:extLst>
               <a:ext uri="{91240B29-F687-4f45-9708-019B960494DF}">
-                <a14:hiddenLine xmlns:a14="http://schemas.microsoft.com/office/drawing/2010/main" xmlns="" w="9525">
+                <a14:hiddenLine xmlns="" xmlns:a14="http://schemas.microsoft.com/office/drawing/2010/main" w="9525">
                   <a:solidFill>
                     <a:srgbClr val="000000"/>
                   </a:solidFill>
@@ -2027,7 +2027,7 @@
             </a:ln>
             <a:extLst>
               <a:ext uri="{91240B29-F687-4f45-9708-019B960494DF}">
-                <a14:hiddenLine xmlns:a14="http://schemas.microsoft.com/office/drawing/2010/main" xmlns="" w="9525">
+                <a14:hiddenLine xmlns="" xmlns:a14="http://schemas.microsoft.com/office/drawing/2010/main" w="9525">
                   <a:solidFill>
                     <a:srgbClr val="000000"/>
                   </a:solidFill>
@@ -2117,7 +2117,7 @@
             </a:ln>
             <a:extLst>
               <a:ext uri="{91240B29-F687-4f45-9708-019B960494DF}">
-                <a14:hiddenLine xmlns:a14="http://schemas.microsoft.com/office/drawing/2010/main" xmlns="" w="9525">
+                <a14:hiddenLine xmlns="" xmlns:a14="http://schemas.microsoft.com/office/drawing/2010/main" w="9525">
                   <a:solidFill>
                     <a:srgbClr val="000000"/>
                   </a:solidFill>
@@ -2207,7 +2207,7 @@
             </a:ln>
             <a:extLst>
               <a:ext uri="{91240B29-F687-4f45-9708-019B960494DF}">
-                <a14:hiddenLine xmlns:a14="http://schemas.microsoft.com/office/drawing/2010/main" xmlns="" w="9525">
+                <a14:hiddenLine xmlns="" xmlns:a14="http://schemas.microsoft.com/office/drawing/2010/main" w="9525">
                   <a:solidFill>
                     <a:srgbClr val="000000"/>
                   </a:solidFill>
@@ -2269,7 +2269,7 @@
             </a:ln>
             <a:extLst>
               <a:ext uri="{91240B29-F687-4f45-9708-019B960494DF}">
-                <a14:hiddenLine xmlns:a14="http://schemas.microsoft.com/office/drawing/2010/main" xmlns="" w="9525">
+                <a14:hiddenLine xmlns="" xmlns:a14="http://schemas.microsoft.com/office/drawing/2010/main" w="9525">
                   <a:solidFill>
                     <a:srgbClr val="000000"/>
                   </a:solidFill>
@@ -2379,7 +2379,7 @@
             </a:ln>
             <a:extLst>
               <a:ext uri="{91240B29-F687-4f45-9708-019B960494DF}">
-                <a14:hiddenLine xmlns:a14="http://schemas.microsoft.com/office/drawing/2010/main" xmlns="" w="9525">
+                <a14:hiddenLine xmlns="" xmlns:a14="http://schemas.microsoft.com/office/drawing/2010/main" w="9525">
                   <a:solidFill>
                     <a:srgbClr val="000000"/>
                   </a:solidFill>
@@ -2441,7 +2441,7 @@
             </a:ln>
             <a:extLst>
               <a:ext uri="{91240B29-F687-4f45-9708-019B960494DF}">
-                <a14:hiddenLine xmlns:a14="http://schemas.microsoft.com/office/drawing/2010/main" xmlns="" w="9525">
+                <a14:hiddenLine xmlns="" xmlns:a14="http://schemas.microsoft.com/office/drawing/2010/main" w="9525">
                   <a:solidFill>
                     <a:srgbClr val="000000"/>
                   </a:solidFill>
@@ -2531,7 +2531,7 @@
             </a:ln>
             <a:extLst>
               <a:ext uri="{91240B29-F687-4f45-9708-019B960494DF}">
-                <a14:hiddenLine xmlns:a14="http://schemas.microsoft.com/office/drawing/2010/main" xmlns="" w="9525">
+                <a14:hiddenLine xmlns="" xmlns:a14="http://schemas.microsoft.com/office/drawing/2010/main" w="9525">
                   <a:solidFill>
                     <a:srgbClr val="000000"/>
                   </a:solidFill>
@@ -2621,7 +2621,7 @@
             </a:ln>
             <a:extLst>
               <a:ext uri="{91240B29-F687-4f45-9708-019B960494DF}">
-                <a14:hiddenLine xmlns:a14="http://schemas.microsoft.com/office/drawing/2010/main" xmlns="" w="9525">
+                <a14:hiddenLine xmlns="" xmlns:a14="http://schemas.microsoft.com/office/drawing/2010/main" w="9525">
                   <a:solidFill>
                     <a:srgbClr val="000000"/>
                   </a:solidFill>
@@ -2683,7 +2683,7 @@
             </a:ln>
             <a:extLst>
               <a:ext uri="{91240B29-F687-4f45-9708-019B960494DF}">
-                <a14:hiddenLine xmlns:a14="http://schemas.microsoft.com/office/drawing/2010/main" xmlns="" w="9525">
+                <a14:hiddenLine xmlns="" xmlns:a14="http://schemas.microsoft.com/office/drawing/2010/main" w="9525">
                   <a:solidFill>
                     <a:srgbClr val="000000"/>
                   </a:solidFill>
@@ -2773,7 +2773,7 @@
             </a:ln>
             <a:extLst>
               <a:ext uri="{91240B29-F687-4f45-9708-019B960494DF}">
-                <a14:hiddenLine xmlns:a14="http://schemas.microsoft.com/office/drawing/2010/main" xmlns="" w="9525">
+                <a14:hiddenLine xmlns="" xmlns:a14="http://schemas.microsoft.com/office/drawing/2010/main" w="9525">
                   <a:solidFill>
                     <a:srgbClr val="000000"/>
                   </a:solidFill>
@@ -2863,7 +2863,7 @@
             </a:ln>
             <a:extLst>
               <a:ext uri="{91240B29-F687-4f45-9708-019B960494DF}">
-                <a14:hiddenLine xmlns:a14="http://schemas.microsoft.com/office/drawing/2010/main" xmlns="" w="9525">
+                <a14:hiddenLine xmlns="" xmlns:a14="http://schemas.microsoft.com/office/drawing/2010/main" w="9525">
                   <a:solidFill>
                     <a:srgbClr val="000000"/>
                   </a:solidFill>
@@ -2919,7 +2919,7 @@
             </a:ln>
             <a:extLst>
               <a:ext uri="{91240B29-F687-4f45-9708-019B960494DF}">
-                <a14:hiddenLine xmlns:a14="http://schemas.microsoft.com/office/drawing/2010/main" xmlns="" w="9525">
+                <a14:hiddenLine xmlns="" xmlns:a14="http://schemas.microsoft.com/office/drawing/2010/main" w="9525">
                   <a:solidFill>
                     <a:srgbClr val="000000"/>
                   </a:solidFill>
@@ -3009,7 +3009,7 @@
             </a:ln>
             <a:extLst>
               <a:ext uri="{91240B29-F687-4f45-9708-019B960494DF}">
-                <a14:hiddenLine xmlns:a14="http://schemas.microsoft.com/office/drawing/2010/main" xmlns="" w="9525">
+                <a14:hiddenLine xmlns="" xmlns:a14="http://schemas.microsoft.com/office/drawing/2010/main" w="9525">
                   <a:solidFill>
                     <a:srgbClr val="000000"/>
                   </a:solidFill>
@@ -3065,7 +3065,7 @@
             </a:ln>
             <a:extLst>
               <a:ext uri="{91240B29-F687-4f45-9708-019B960494DF}">
-                <a14:hiddenLine xmlns:a14="http://schemas.microsoft.com/office/drawing/2010/main" xmlns="" w="9525">
+                <a14:hiddenLine xmlns="" xmlns:a14="http://schemas.microsoft.com/office/drawing/2010/main" w="9525">
                   <a:solidFill>
                     <a:srgbClr val="000000"/>
                   </a:solidFill>
@@ -3155,7 +3155,7 @@
             </a:ln>
             <a:extLst>
               <a:ext uri="{91240B29-F687-4f45-9708-019B960494DF}">
-                <a14:hiddenLine xmlns:a14="http://schemas.microsoft.com/office/drawing/2010/main" xmlns="" w="9525">
+                <a14:hiddenLine xmlns="" xmlns:a14="http://schemas.microsoft.com/office/drawing/2010/main" w="9525">
                   <a:solidFill>
                     <a:srgbClr val="000000"/>
                   </a:solidFill>
@@ -3223,7 +3223,7 @@
             </a:ln>
             <a:extLst>
               <a:ext uri="{91240B29-F687-4f45-9708-019B960494DF}">
-                <a14:hiddenLine xmlns:a14="http://schemas.microsoft.com/office/drawing/2010/main" xmlns="" w="9525">
+                <a14:hiddenLine xmlns="" xmlns:a14="http://schemas.microsoft.com/office/drawing/2010/main" w="9525">
                   <a:solidFill>
                     <a:srgbClr val="000000"/>
                   </a:solidFill>
@@ -3313,7 +3313,7 @@
             </a:ln>
             <a:extLst>
               <a:ext uri="{91240B29-F687-4f45-9708-019B960494DF}">
-                <a14:hiddenLine xmlns:a14="http://schemas.microsoft.com/office/drawing/2010/main" xmlns="" w="9525">
+                <a14:hiddenLine xmlns="" xmlns:a14="http://schemas.microsoft.com/office/drawing/2010/main" w="9525">
                   <a:solidFill>
                     <a:srgbClr val="000000"/>
                   </a:solidFill>
@@ -3381,7 +3381,7 @@
             </a:ln>
             <a:extLst>
               <a:ext uri="{91240B29-F687-4f45-9708-019B960494DF}">
-                <a14:hiddenLine xmlns:a14="http://schemas.microsoft.com/office/drawing/2010/main" xmlns="" w="9525">
+                <a14:hiddenLine xmlns="" xmlns:a14="http://schemas.microsoft.com/office/drawing/2010/main" w="9525">
                   <a:solidFill>
                     <a:srgbClr val="000000"/>
                   </a:solidFill>
@@ -3471,7 +3471,7 @@
             </a:ln>
             <a:extLst>
               <a:ext uri="{91240B29-F687-4f45-9708-019B960494DF}">
-                <a14:hiddenLine xmlns:a14="http://schemas.microsoft.com/office/drawing/2010/main" xmlns="" w="9525">
+                <a14:hiddenLine xmlns="" xmlns:a14="http://schemas.microsoft.com/office/drawing/2010/main" w="9525">
                   <a:solidFill>
                     <a:srgbClr val="000000"/>
                   </a:solidFill>
@@ -3505,7 +3505,7 @@
             </a:ln>
             <a:extLst>
               <a:ext uri="{91240B29-F687-4f45-9708-019B960494DF}">
-                <a14:hiddenLine xmlns:a14="http://schemas.microsoft.com/office/drawing/2010/main" xmlns="" w="9525">
+                <a14:hiddenLine xmlns="" xmlns:a14="http://schemas.microsoft.com/office/drawing/2010/main" w="9525">
                   <a:solidFill>
                     <a:srgbClr val="000000"/>
                   </a:solidFill>
@@ -3595,7 +3595,7 @@
             </a:ln>
             <a:extLst>
               <a:ext uri="{91240B29-F687-4f45-9708-019B960494DF}">
-                <a14:hiddenLine xmlns:a14="http://schemas.microsoft.com/office/drawing/2010/main" xmlns="" w="9525">
+                <a14:hiddenLine xmlns="" xmlns:a14="http://schemas.microsoft.com/office/drawing/2010/main" w="9525">
                   <a:solidFill>
                     <a:srgbClr val="000000"/>
                   </a:solidFill>
@@ -3657,7 +3657,7 @@
             </a:ln>
             <a:extLst>
               <a:ext uri="{91240B29-F687-4f45-9708-019B960494DF}">
-                <a14:hiddenLine xmlns:a14="http://schemas.microsoft.com/office/drawing/2010/main" xmlns="" w="9525">
+                <a14:hiddenLine xmlns="" xmlns:a14="http://schemas.microsoft.com/office/drawing/2010/main" w="9525">
                   <a:solidFill>
                     <a:srgbClr val="000000"/>
                   </a:solidFill>
@@ -3719,7 +3719,7 @@
             </a:ln>
             <a:extLst>
               <a:ext uri="{91240B29-F687-4f45-9708-019B960494DF}">
-                <a14:hiddenLine xmlns:a14="http://schemas.microsoft.com/office/drawing/2010/main" xmlns="" w="9525">
+                <a14:hiddenLine xmlns="" xmlns:a14="http://schemas.microsoft.com/office/drawing/2010/main" w="9525">
                   <a:solidFill>
                     <a:srgbClr val="000000"/>
                   </a:solidFill>
@@ -3809,7 +3809,7 @@
             </a:ln>
             <a:extLst>
               <a:ext uri="{91240B29-F687-4f45-9708-019B960494DF}">
-                <a14:hiddenLine xmlns:a14="http://schemas.microsoft.com/office/drawing/2010/main" xmlns="" w="9525">
+                <a14:hiddenLine xmlns="" xmlns:a14="http://schemas.microsoft.com/office/drawing/2010/main" w="9525">
                   <a:solidFill>
                     <a:srgbClr val="000000"/>
                   </a:solidFill>
@@ -3877,7 +3877,7 @@
             </a:ln>
             <a:extLst>
               <a:ext uri="{91240B29-F687-4f45-9708-019B960494DF}">
-                <a14:hiddenLine xmlns:a14="http://schemas.microsoft.com/office/drawing/2010/main" xmlns="" w="9525">
+                <a14:hiddenLine xmlns="" xmlns:a14="http://schemas.microsoft.com/office/drawing/2010/main" w="9525">
                   <a:solidFill>
                     <a:srgbClr val="000000"/>
                   </a:solidFill>
@@ -3939,7 +3939,7 @@
             </a:ln>
             <a:extLst>
               <a:ext uri="{91240B29-F687-4f45-9708-019B960494DF}">
-                <a14:hiddenLine xmlns:a14="http://schemas.microsoft.com/office/drawing/2010/main" xmlns="" w="9525">
+                <a14:hiddenLine xmlns="" xmlns:a14="http://schemas.microsoft.com/office/drawing/2010/main" w="9525">
                   <a:solidFill>
                     <a:srgbClr val="000000"/>
                   </a:solidFill>
@@ -4029,7 +4029,7 @@
             </a:ln>
             <a:extLst>
               <a:ext uri="{91240B29-F687-4f45-9708-019B960494DF}">
-                <a14:hiddenLine xmlns:a14="http://schemas.microsoft.com/office/drawing/2010/main" xmlns="" w="9525">
+                <a14:hiddenLine xmlns="" xmlns:a14="http://schemas.microsoft.com/office/drawing/2010/main" w="9525">
                   <a:solidFill>
                     <a:srgbClr val="000000"/>
                   </a:solidFill>
@@ -4091,7 +4091,7 @@
             </a:ln>
             <a:extLst>
               <a:ext uri="{91240B29-F687-4f45-9708-019B960494DF}">
-                <a14:hiddenLine xmlns:a14="http://schemas.microsoft.com/office/drawing/2010/main" xmlns="" w="9525">
+                <a14:hiddenLine xmlns="" xmlns:a14="http://schemas.microsoft.com/office/drawing/2010/main" w="9525">
                   <a:solidFill>
                     <a:srgbClr val="000000"/>
                   </a:solidFill>
@@ -4181,7 +4181,7 @@
             </a:ln>
             <a:extLst>
               <a:ext uri="{91240B29-F687-4f45-9708-019B960494DF}">
-                <a14:hiddenLine xmlns:a14="http://schemas.microsoft.com/office/drawing/2010/main" xmlns="" w="9525">
+                <a14:hiddenLine xmlns="" xmlns:a14="http://schemas.microsoft.com/office/drawing/2010/main" w="9525">
                   <a:solidFill>
                     <a:srgbClr val="000000"/>
                   </a:solidFill>
@@ -4243,7 +4243,7 @@
             </a:ln>
             <a:extLst>
               <a:ext uri="{91240B29-F687-4f45-9708-019B960494DF}">
-                <a14:hiddenLine xmlns:a14="http://schemas.microsoft.com/office/drawing/2010/main" xmlns="" w="9525">
+                <a14:hiddenLine xmlns="" xmlns:a14="http://schemas.microsoft.com/office/drawing/2010/main" w="9525">
                   <a:solidFill>
                     <a:srgbClr val="000000"/>
                   </a:solidFill>
@@ -4333,7 +4333,7 @@
             </a:ln>
             <a:extLst>
               <a:ext uri="{91240B29-F687-4f45-9708-019B960494DF}">
-                <a14:hiddenLine xmlns:a14="http://schemas.microsoft.com/office/drawing/2010/main" xmlns="" w="9525">
+                <a14:hiddenLine xmlns="" xmlns:a14="http://schemas.microsoft.com/office/drawing/2010/main" w="9525">
                   <a:solidFill>
                     <a:srgbClr val="000000"/>
                   </a:solidFill>
@@ -4367,7 +4367,7 @@
             </a:ln>
             <a:extLst>
               <a:ext uri="{91240B29-F687-4f45-9708-019B960494DF}">
-                <a14:hiddenLine xmlns:a14="http://schemas.microsoft.com/office/drawing/2010/main" xmlns="" w="9525">
+                <a14:hiddenLine xmlns="" xmlns:a14="http://schemas.microsoft.com/office/drawing/2010/main" w="9525">
                   <a:solidFill>
                     <a:srgbClr val="000000"/>
                   </a:solidFill>
@@ -4432,7 +4432,7 @@
             </a:ln>
             <a:extLst>
               <a:ext uri="{91240B29-F687-4f45-9708-019B960494DF}">
-                <a14:hiddenLine xmlns:a14="http://schemas.microsoft.com/office/drawing/2010/main" xmlns="" w="9525">
+                <a14:hiddenLine xmlns="" xmlns:a14="http://schemas.microsoft.com/office/drawing/2010/main" w="9525">
                   <a:solidFill>
                     <a:srgbClr val="000000"/>
                   </a:solidFill>
@@ -4522,7 +4522,7 @@
             </a:ln>
             <a:extLst>
               <a:ext uri="{91240B29-F687-4f45-9708-019B960494DF}">
-                <a14:hiddenLine xmlns:a14="http://schemas.microsoft.com/office/drawing/2010/main" xmlns="" w="9525">
+                <a14:hiddenLine xmlns="" xmlns:a14="http://schemas.microsoft.com/office/drawing/2010/main" w="9525">
                   <a:solidFill>
                     <a:srgbClr val="000000"/>
                   </a:solidFill>
@@ -4584,7 +4584,7 @@
             </a:ln>
             <a:extLst>
               <a:ext uri="{91240B29-F687-4f45-9708-019B960494DF}">
-                <a14:hiddenLine xmlns:a14="http://schemas.microsoft.com/office/drawing/2010/main" xmlns="" w="9525">
+                <a14:hiddenLine xmlns="" xmlns:a14="http://schemas.microsoft.com/office/drawing/2010/main" w="9525">
                   <a:solidFill>
                     <a:srgbClr val="000000"/>
                   </a:solidFill>
@@ -4674,7 +4674,7 @@
             </a:ln>
             <a:extLst>
               <a:ext uri="{91240B29-F687-4f45-9708-019B960494DF}">
-                <a14:hiddenLine xmlns:a14="http://schemas.microsoft.com/office/drawing/2010/main" xmlns="" w="9525">
+                <a14:hiddenLine xmlns="" xmlns:a14="http://schemas.microsoft.com/office/drawing/2010/main" w="9525">
                   <a:solidFill>
                     <a:srgbClr val="000000"/>
                   </a:solidFill>
@@ -4764,7 +4764,7 @@
             </a:ln>
             <a:extLst>
               <a:ext uri="{91240B29-F687-4f45-9708-019B960494DF}">
-                <a14:hiddenLine xmlns:a14="http://schemas.microsoft.com/office/drawing/2010/main" xmlns="" w="9525">
+                <a14:hiddenLine xmlns="" xmlns:a14="http://schemas.microsoft.com/office/drawing/2010/main" w="9525">
                   <a:solidFill>
                     <a:srgbClr val="000000"/>
                   </a:solidFill>
@@ -4829,7 +4829,7 @@
             </a:ln>
             <a:extLst>
               <a:ext uri="{91240B29-F687-4f45-9708-019B960494DF}">
-                <a14:hiddenLine xmlns:a14="http://schemas.microsoft.com/office/drawing/2010/main" xmlns="" w="9525">
+                <a14:hiddenLine xmlns="" xmlns:a14="http://schemas.microsoft.com/office/drawing/2010/main" w="9525">
                   <a:solidFill>
                     <a:srgbClr val="000000"/>
                   </a:solidFill>
@@ -4891,7 +4891,7 @@
             </a:ln>
             <a:extLst>
               <a:ext uri="{91240B29-F687-4f45-9708-019B960494DF}">
-                <a14:hiddenLine xmlns:a14="http://schemas.microsoft.com/office/drawing/2010/main" xmlns="" w="9525">
+                <a14:hiddenLine xmlns="" xmlns:a14="http://schemas.microsoft.com/office/drawing/2010/main" w="9525">
                   <a:solidFill>
                     <a:srgbClr val="000000"/>
                   </a:solidFill>
@@ -4981,7 +4981,7 @@
             </a:ln>
             <a:extLst>
               <a:ext uri="{91240B29-F687-4f45-9708-019B960494DF}">
-                <a14:hiddenLine xmlns:a14="http://schemas.microsoft.com/office/drawing/2010/main" xmlns="" w="9525">
+                <a14:hiddenLine xmlns="" xmlns:a14="http://schemas.microsoft.com/office/drawing/2010/main" w="9525">
                   <a:solidFill>
                     <a:srgbClr val="000000"/>
                   </a:solidFill>
@@ -5071,7 +5071,7 @@
             </a:ln>
             <a:extLst>
               <a:ext uri="{91240B29-F687-4f45-9708-019B960494DF}">
-                <a14:hiddenLine xmlns:a14="http://schemas.microsoft.com/office/drawing/2010/main" xmlns="" w="9525">
+                <a14:hiddenLine xmlns="" xmlns:a14="http://schemas.microsoft.com/office/drawing/2010/main" w="9525">
                   <a:solidFill>
                     <a:srgbClr val="000000"/>
                   </a:solidFill>
@@ -5133,7 +5133,7 @@
             </a:ln>
             <a:extLst>
               <a:ext uri="{91240B29-F687-4f45-9708-019B960494DF}">
-                <a14:hiddenLine xmlns:a14="http://schemas.microsoft.com/office/drawing/2010/main" xmlns="" w="9525">
+                <a14:hiddenLine xmlns="" xmlns:a14="http://schemas.microsoft.com/office/drawing/2010/main" w="9525">
                   <a:solidFill>
                     <a:srgbClr val="000000"/>
                   </a:solidFill>
@@ -5253,7 +5253,7 @@
             </a:ln>
             <a:extLst>
               <a:ext uri="{91240B29-F687-4f45-9708-019B960494DF}">
-                <a14:hiddenLine xmlns:a14="http://schemas.microsoft.com/office/drawing/2010/main" xmlns="" w="9525">
+                <a14:hiddenLine xmlns="" xmlns:a14="http://schemas.microsoft.com/office/drawing/2010/main" w="9525">
                   <a:solidFill>
                     <a:srgbClr val="000000"/>
                   </a:solidFill>
@@ -5321,7 +5321,7 @@
             </a:ln>
             <a:extLst>
               <a:ext uri="{91240B29-F687-4f45-9708-019B960494DF}">
-                <a14:hiddenLine xmlns:a14="http://schemas.microsoft.com/office/drawing/2010/main" xmlns="" w="9525">
+                <a14:hiddenLine xmlns="" xmlns:a14="http://schemas.microsoft.com/office/drawing/2010/main" w="9525">
                   <a:solidFill>
                     <a:srgbClr val="000000"/>
                   </a:solidFill>
@@ -5411,7 +5411,7 @@
             </a:ln>
             <a:extLst>
               <a:ext uri="{91240B29-F687-4f45-9708-019B960494DF}">
-                <a14:hiddenLine xmlns:a14="http://schemas.microsoft.com/office/drawing/2010/main" xmlns="" w="9525">
+                <a14:hiddenLine xmlns="" xmlns:a14="http://schemas.microsoft.com/office/drawing/2010/main" w="9525">
                   <a:solidFill>
                     <a:srgbClr val="000000"/>
                   </a:solidFill>
@@ -5551,7 +5551,7 @@
           <a:p>
             <a:fld id="{EC4347D3-4C9A-C240-8F14-750059DFEEB0}" type="datetimeFigureOut">
               <a:rPr lang="en-US" smtClean="0"/>
-              <a:t>7/28/23</a:t>
+              <a:t>8/3/23</a:t>
             </a:fld>
             <a:endParaRPr lang="en-US"/>
           </a:p>
@@ -5818,7 +5818,7 @@
           <a:p>
             <a:fld id="{EC4347D3-4C9A-C240-8F14-750059DFEEB0}" type="datetimeFigureOut">
               <a:rPr lang="en-US" smtClean="0"/>
-              <a:t>7/28/23</a:t>
+              <a:t>8/3/23</a:t>
             </a:fld>
             <a:endParaRPr lang="en-US"/>
           </a:p>
@@ -6014,7 +6014,7 @@
           <a:p>
             <a:fld id="{EC4347D3-4C9A-C240-8F14-750059DFEEB0}" type="datetimeFigureOut">
               <a:rPr lang="en-US" smtClean="0"/>
-              <a:t>7/28/23</a:t>
+              <a:t>8/3/23</a:t>
             </a:fld>
             <a:endParaRPr lang="en-US"/>
           </a:p>
@@ -6277,7 +6277,7 @@
           <a:p>
             <a:fld id="{EC4347D3-4C9A-C240-8F14-750059DFEEB0}" type="datetimeFigureOut">
               <a:rPr lang="en-US" smtClean="0"/>
-              <a:t>7/28/23</a:t>
+              <a:t>8/3/23</a:t>
             </a:fld>
             <a:endParaRPr lang="en-US"/>
           </a:p>
@@ -6711,7 +6711,7 @@
           <a:p>
             <a:fld id="{EC4347D3-4C9A-C240-8F14-750059DFEEB0}" type="datetimeFigureOut">
               <a:rPr lang="en-US" smtClean="0"/>
-              <a:t>7/28/23</a:t>
+              <a:t>8/3/23</a:t>
             </a:fld>
             <a:endParaRPr lang="en-US"/>
           </a:p>
@@ -7257,7 +7257,7 @@
           <a:p>
             <a:fld id="{EC4347D3-4C9A-C240-8F14-750059DFEEB0}" type="datetimeFigureOut">
               <a:rPr lang="en-US" smtClean="0"/>
-              <a:t>7/28/23</a:t>
+              <a:t>8/3/23</a:t>
             </a:fld>
             <a:endParaRPr lang="en-US"/>
           </a:p>
@@ -7977,7 +7977,7 @@
           <a:p>
             <a:fld id="{EC4347D3-4C9A-C240-8F14-750059DFEEB0}" type="datetimeFigureOut">
               <a:rPr lang="en-US" smtClean="0"/>
-              <a:t>7/28/23</a:t>
+              <a:t>8/3/23</a:t>
             </a:fld>
             <a:endParaRPr lang="en-US"/>
           </a:p>
@@ -8147,7 +8147,7 @@
           <a:p>
             <a:fld id="{EC4347D3-4C9A-C240-8F14-750059DFEEB0}" type="datetimeFigureOut">
               <a:rPr lang="en-US" smtClean="0"/>
-              <a:t>7/28/23</a:t>
+              <a:t>8/3/23</a:t>
             </a:fld>
             <a:endParaRPr lang="en-US"/>
           </a:p>
@@ -8327,7 +8327,7 @@
           <a:p>
             <a:fld id="{EC4347D3-4C9A-C240-8F14-750059DFEEB0}" type="datetimeFigureOut">
               <a:rPr lang="en-US" smtClean="0"/>
-              <a:t>7/28/23</a:t>
+              <a:t>8/3/23</a:t>
             </a:fld>
             <a:endParaRPr lang="en-US"/>
           </a:p>
@@ -8497,7 +8497,7 @@
           <a:p>
             <a:fld id="{EC4347D3-4C9A-C240-8F14-750059DFEEB0}" type="datetimeFigureOut">
               <a:rPr lang="en-US" smtClean="0"/>
-              <a:t>7/28/23</a:t>
+              <a:t>8/3/23</a:t>
             </a:fld>
             <a:endParaRPr lang="en-US"/>
           </a:p>
@@ -8747,7 +8747,7 @@
           <a:p>
             <a:fld id="{EC4347D3-4C9A-C240-8F14-750059DFEEB0}" type="datetimeFigureOut">
               <a:rPr lang="en-US" smtClean="0"/>
-              <a:t>7/28/23</a:t>
+              <a:t>8/3/23</a:t>
             </a:fld>
             <a:endParaRPr lang="en-US"/>
           </a:p>
@@ -8979,7 +8979,7 @@
           <a:p>
             <a:fld id="{EC4347D3-4C9A-C240-8F14-750059DFEEB0}" type="datetimeFigureOut">
               <a:rPr lang="en-US" smtClean="0"/>
-              <a:t>7/28/23</a:t>
+              <a:t>8/3/23</a:t>
             </a:fld>
             <a:endParaRPr lang="en-US"/>
           </a:p>
@@ -9365,7 +9365,7 @@
           <a:p>
             <a:fld id="{EC4347D3-4C9A-C240-8F14-750059DFEEB0}" type="datetimeFigureOut">
               <a:rPr lang="en-US" smtClean="0"/>
-              <a:t>7/28/23</a:t>
+              <a:t>8/3/23</a:t>
             </a:fld>
             <a:endParaRPr lang="en-US"/>
           </a:p>
@@ -9488,7 +9488,7 @@
           <a:p>
             <a:fld id="{EC4347D3-4C9A-C240-8F14-750059DFEEB0}" type="datetimeFigureOut">
               <a:rPr lang="en-US" smtClean="0"/>
-              <a:t>7/28/23</a:t>
+              <a:t>8/3/23</a:t>
             </a:fld>
             <a:endParaRPr lang="en-US"/>
           </a:p>
@@ -9583,7 +9583,7 @@
           <a:p>
             <a:fld id="{EC4347D3-4C9A-C240-8F14-750059DFEEB0}" type="datetimeFigureOut">
               <a:rPr lang="en-US" smtClean="0"/>
-              <a:t>7/28/23</a:t>
+              <a:t>8/3/23</a:t>
             </a:fld>
             <a:endParaRPr lang="en-US"/>
           </a:p>
@@ -9832,7 +9832,7 @@
           <a:p>
             <a:fld id="{EC4347D3-4C9A-C240-8F14-750059DFEEB0}" type="datetimeFigureOut">
               <a:rPr lang="en-US" smtClean="0"/>
-              <a:t>7/28/23</a:t>
+              <a:t>8/3/23</a:t>
             </a:fld>
             <a:endParaRPr lang="en-US"/>
           </a:p>
@@ -10117,7 +10117,7 @@
           <a:p>
             <a:fld id="{EC4347D3-4C9A-C240-8F14-750059DFEEB0}" type="datetimeFigureOut">
               <a:rPr lang="en-US" smtClean="0"/>
-              <a:t>7/28/23</a:t>
+              <a:t>8/3/23</a:t>
             </a:fld>
             <a:endParaRPr lang="en-US"/>
           </a:p>
@@ -10240,7 +10240,7 @@
           <a:noFill/>
           <a:extLst>
             <a:ext uri="{909E8E84-426E-40dd-AFC4-6F175D3DCCD1}">
-              <a14:hiddenFill xmlns:a14="http://schemas.microsoft.com/office/drawing/2010/main" xmlns="">
+              <a14:hiddenFill xmlns="" xmlns:a14="http://schemas.microsoft.com/office/drawing/2010/main">
                 <a:solidFill>
                   <a:srgbClr val="FFFFFF"/>
                 </a:solidFill>
@@ -10314,7 +10314,7 @@
               </a:ln>
               <a:extLst>
                 <a:ext uri="{91240B29-F687-4f45-9708-019B960494DF}">
-                  <a14:hiddenLine xmlns:a14="http://schemas.microsoft.com/office/drawing/2010/main" xmlns="" w="9525">
+                  <a14:hiddenLine xmlns="" xmlns:a14="http://schemas.microsoft.com/office/drawing/2010/main" w="9525">
                     <a:solidFill>
                       <a:srgbClr val="000000"/>
                     </a:solidFill>
@@ -10404,7 +10404,7 @@
               </a:ln>
               <a:extLst>
                 <a:ext uri="{91240B29-F687-4f45-9708-019B960494DF}">
-                  <a14:hiddenLine xmlns:a14="http://schemas.microsoft.com/office/drawing/2010/main" xmlns="" w="9525">
+                  <a14:hiddenLine xmlns="" xmlns:a14="http://schemas.microsoft.com/office/drawing/2010/main" w="9525">
                     <a:solidFill>
                       <a:srgbClr val="000000"/>
                     </a:solidFill>
@@ -10494,7 +10494,7 @@
               </a:ln>
               <a:extLst>
                 <a:ext uri="{91240B29-F687-4f45-9708-019B960494DF}">
-                  <a14:hiddenLine xmlns:a14="http://schemas.microsoft.com/office/drawing/2010/main" xmlns="" w="9525">
+                  <a14:hiddenLine xmlns="" xmlns:a14="http://schemas.microsoft.com/office/drawing/2010/main" w="9525">
                     <a:solidFill>
                       <a:srgbClr val="000000"/>
                     </a:solidFill>
@@ -10556,7 +10556,7 @@
               </a:ln>
               <a:extLst>
                 <a:ext uri="{91240B29-F687-4f45-9708-019B960494DF}">
-                  <a14:hiddenLine xmlns:a14="http://schemas.microsoft.com/office/drawing/2010/main" xmlns="" w="9525">
+                  <a14:hiddenLine xmlns="" xmlns:a14="http://schemas.microsoft.com/office/drawing/2010/main" w="9525">
                     <a:solidFill>
                       <a:srgbClr val="000000"/>
                     </a:solidFill>
@@ -10646,7 +10646,7 @@
               </a:ln>
               <a:extLst>
                 <a:ext uri="{91240B29-F687-4f45-9708-019B960494DF}">
-                  <a14:hiddenLine xmlns:a14="http://schemas.microsoft.com/office/drawing/2010/main" xmlns="" w="9525">
+                  <a14:hiddenLine xmlns="" xmlns:a14="http://schemas.microsoft.com/office/drawing/2010/main" w="9525">
                     <a:solidFill>
                       <a:srgbClr val="000000"/>
                     </a:solidFill>
@@ -10708,7 +10708,7 @@
               </a:ln>
               <a:extLst>
                 <a:ext uri="{91240B29-F687-4f45-9708-019B960494DF}">
-                  <a14:hiddenLine xmlns:a14="http://schemas.microsoft.com/office/drawing/2010/main" xmlns="" w="9525">
+                  <a14:hiddenLine xmlns="" xmlns:a14="http://schemas.microsoft.com/office/drawing/2010/main" w="9525">
                     <a:solidFill>
                       <a:srgbClr val="000000"/>
                     </a:solidFill>
@@ -10770,7 +10770,7 @@
               </a:ln>
               <a:extLst>
                 <a:ext uri="{91240B29-F687-4f45-9708-019B960494DF}">
-                  <a14:hiddenLine xmlns:a14="http://schemas.microsoft.com/office/drawing/2010/main" xmlns="" w="9525">
+                  <a14:hiddenLine xmlns="" xmlns:a14="http://schemas.microsoft.com/office/drawing/2010/main" w="9525">
                     <a:solidFill>
                       <a:srgbClr val="000000"/>
                     </a:solidFill>
@@ -10860,7 +10860,7 @@
               </a:ln>
               <a:extLst>
                 <a:ext uri="{91240B29-F687-4f45-9708-019B960494DF}">
-                  <a14:hiddenLine xmlns:a14="http://schemas.microsoft.com/office/drawing/2010/main" xmlns="" w="9525">
+                  <a14:hiddenLine xmlns="" xmlns:a14="http://schemas.microsoft.com/office/drawing/2010/main" w="9525">
                     <a:solidFill>
                       <a:srgbClr val="000000"/>
                     </a:solidFill>
@@ -10950,7 +10950,7 @@
               </a:ln>
               <a:extLst>
                 <a:ext uri="{91240B29-F687-4f45-9708-019B960494DF}">
-                  <a14:hiddenLine xmlns:a14="http://schemas.microsoft.com/office/drawing/2010/main" xmlns="" w="9525">
+                  <a14:hiddenLine xmlns="" xmlns:a14="http://schemas.microsoft.com/office/drawing/2010/main" w="9525">
                     <a:solidFill>
                       <a:srgbClr val="000000"/>
                     </a:solidFill>
@@ -11012,7 +11012,7 @@
               </a:ln>
               <a:extLst>
                 <a:ext uri="{91240B29-F687-4f45-9708-019B960494DF}">
-                  <a14:hiddenLine xmlns:a14="http://schemas.microsoft.com/office/drawing/2010/main" xmlns="" w="9525">
+                  <a14:hiddenLine xmlns="" xmlns:a14="http://schemas.microsoft.com/office/drawing/2010/main" w="9525">
                     <a:solidFill>
                       <a:srgbClr val="000000"/>
                     </a:solidFill>
@@ -11122,7 +11122,7 @@
               </a:ln>
               <a:extLst>
                 <a:ext uri="{91240B29-F687-4f45-9708-019B960494DF}">
-                  <a14:hiddenLine xmlns:a14="http://schemas.microsoft.com/office/drawing/2010/main" xmlns="" w="9525">
+                  <a14:hiddenLine xmlns="" xmlns:a14="http://schemas.microsoft.com/office/drawing/2010/main" w="9525">
                     <a:solidFill>
                       <a:srgbClr val="000000"/>
                     </a:solidFill>
@@ -11206,7 +11206,7 @@
               </a:ln>
               <a:extLst>
                 <a:ext uri="{91240B29-F687-4f45-9708-019B960494DF}">
-                  <a14:hiddenLine xmlns:a14="http://schemas.microsoft.com/office/drawing/2010/main" xmlns="" w="9525">
+                  <a14:hiddenLine xmlns="" xmlns:a14="http://schemas.microsoft.com/office/drawing/2010/main" w="9525">
                     <a:solidFill>
                       <a:srgbClr val="000000"/>
                     </a:solidFill>
@@ -11268,7 +11268,7 @@
               </a:ln>
               <a:extLst>
                 <a:ext uri="{91240B29-F687-4f45-9708-019B960494DF}">
-                  <a14:hiddenLine xmlns:a14="http://schemas.microsoft.com/office/drawing/2010/main" xmlns="" w="9525">
+                  <a14:hiddenLine xmlns="" xmlns:a14="http://schemas.microsoft.com/office/drawing/2010/main" w="9525">
                     <a:solidFill>
                       <a:srgbClr val="000000"/>
                     </a:solidFill>
@@ -11330,7 +11330,7 @@
               </a:ln>
               <a:extLst>
                 <a:ext uri="{91240B29-F687-4f45-9708-019B960494DF}">
-                  <a14:hiddenLine xmlns:a14="http://schemas.microsoft.com/office/drawing/2010/main" xmlns="" w="9525">
+                  <a14:hiddenLine xmlns="" xmlns:a14="http://schemas.microsoft.com/office/drawing/2010/main" w="9525">
                     <a:solidFill>
                       <a:srgbClr val="000000"/>
                     </a:solidFill>
@@ -11420,7 +11420,7 @@
               </a:ln>
               <a:extLst>
                 <a:ext uri="{91240B29-F687-4f45-9708-019B960494DF}">
-                  <a14:hiddenLine xmlns:a14="http://schemas.microsoft.com/office/drawing/2010/main" xmlns="" w="9525">
+                  <a14:hiddenLine xmlns="" xmlns:a14="http://schemas.microsoft.com/office/drawing/2010/main" w="9525">
                     <a:solidFill>
                       <a:srgbClr val="000000"/>
                     </a:solidFill>
@@ -11454,7 +11454,7 @@
               </a:ln>
               <a:extLst>
                 <a:ext uri="{91240B29-F687-4f45-9708-019B960494DF}">
-                  <a14:hiddenLine xmlns:a14="http://schemas.microsoft.com/office/drawing/2010/main" xmlns="" w="9525">
+                  <a14:hiddenLine xmlns="" xmlns:a14="http://schemas.microsoft.com/office/drawing/2010/main" w="9525">
                     <a:solidFill>
                       <a:srgbClr val="000000"/>
                     </a:solidFill>
@@ -11519,7 +11519,7 @@
               </a:ln>
               <a:extLst>
                 <a:ext uri="{91240B29-F687-4f45-9708-019B960494DF}">
-                  <a14:hiddenLine xmlns:a14="http://schemas.microsoft.com/office/drawing/2010/main" xmlns="" w="9525">
+                  <a14:hiddenLine xmlns="" xmlns:a14="http://schemas.microsoft.com/office/drawing/2010/main" w="9525">
                     <a:solidFill>
                       <a:srgbClr val="000000"/>
                     </a:solidFill>
@@ -11609,7 +11609,7 @@
               </a:ln>
               <a:extLst>
                 <a:ext uri="{91240B29-F687-4f45-9708-019B960494DF}">
-                  <a14:hiddenLine xmlns:a14="http://schemas.microsoft.com/office/drawing/2010/main" xmlns="" w="9525">
+                  <a14:hiddenLine xmlns="" xmlns:a14="http://schemas.microsoft.com/office/drawing/2010/main" w="9525">
                     <a:solidFill>
                       <a:srgbClr val="000000"/>
                     </a:solidFill>
@@ -11671,7 +11671,7 @@
               </a:ln>
               <a:extLst>
                 <a:ext uri="{91240B29-F687-4f45-9708-019B960494DF}">
-                  <a14:hiddenLine xmlns:a14="http://schemas.microsoft.com/office/drawing/2010/main" xmlns="" w="9525">
+                  <a14:hiddenLine xmlns="" xmlns:a14="http://schemas.microsoft.com/office/drawing/2010/main" w="9525">
                     <a:solidFill>
                       <a:srgbClr val="000000"/>
                     </a:solidFill>
@@ -11761,7 +11761,7 @@
               </a:ln>
               <a:extLst>
                 <a:ext uri="{91240B29-F687-4f45-9708-019B960494DF}">
-                  <a14:hiddenLine xmlns:a14="http://schemas.microsoft.com/office/drawing/2010/main" xmlns="" w="9525">
+                  <a14:hiddenLine xmlns="" xmlns:a14="http://schemas.microsoft.com/office/drawing/2010/main" w="9525">
                     <a:solidFill>
                       <a:srgbClr val="000000"/>
                     </a:solidFill>
@@ -11826,7 +11826,7 @@
               </a:ln>
               <a:extLst>
                 <a:ext uri="{91240B29-F687-4f45-9708-019B960494DF}">
-                  <a14:hiddenLine xmlns:a14="http://schemas.microsoft.com/office/drawing/2010/main" xmlns="" w="9525">
+                  <a14:hiddenLine xmlns="" xmlns:a14="http://schemas.microsoft.com/office/drawing/2010/main" w="9525">
                     <a:solidFill>
                       <a:srgbClr val="000000"/>
                     </a:solidFill>
@@ -11888,7 +11888,7 @@
               </a:ln>
               <a:extLst>
                 <a:ext uri="{91240B29-F687-4f45-9708-019B960494DF}">
-                  <a14:hiddenLine xmlns:a14="http://schemas.microsoft.com/office/drawing/2010/main" xmlns="" w="9525">
+                  <a14:hiddenLine xmlns="" xmlns:a14="http://schemas.microsoft.com/office/drawing/2010/main" w="9525">
                     <a:solidFill>
                       <a:srgbClr val="000000"/>
                     </a:solidFill>
@@ -11978,7 +11978,7 @@
               </a:ln>
               <a:extLst>
                 <a:ext uri="{91240B29-F687-4f45-9708-019B960494DF}">
-                  <a14:hiddenLine xmlns:a14="http://schemas.microsoft.com/office/drawing/2010/main" xmlns="" w="9525">
+                  <a14:hiddenLine xmlns="" xmlns:a14="http://schemas.microsoft.com/office/drawing/2010/main" w="9525">
                     <a:solidFill>
                       <a:srgbClr val="000000"/>
                     </a:solidFill>
@@ -12068,7 +12068,7 @@
               </a:ln>
               <a:extLst>
                 <a:ext uri="{91240B29-F687-4f45-9708-019B960494DF}">
-                  <a14:hiddenLine xmlns:a14="http://schemas.microsoft.com/office/drawing/2010/main" xmlns="" w="9525">
+                  <a14:hiddenLine xmlns="" xmlns:a14="http://schemas.microsoft.com/office/drawing/2010/main" w="9525">
                     <a:solidFill>
                       <a:srgbClr val="000000"/>
                     </a:solidFill>
@@ -12133,7 +12133,7 @@
               </a:ln>
               <a:extLst>
                 <a:ext uri="{91240B29-F687-4f45-9708-019B960494DF}">
-                  <a14:hiddenLine xmlns:a14="http://schemas.microsoft.com/office/drawing/2010/main" xmlns="" w="9525">
+                  <a14:hiddenLine xmlns="" xmlns:a14="http://schemas.microsoft.com/office/drawing/2010/main" w="9525">
                     <a:solidFill>
                       <a:srgbClr val="000000"/>
                     </a:solidFill>
@@ -12253,7 +12253,7 @@
               </a:ln>
               <a:extLst>
                 <a:ext uri="{91240B29-F687-4f45-9708-019B960494DF}">
-                  <a14:hiddenLine xmlns:a14="http://schemas.microsoft.com/office/drawing/2010/main" xmlns="" w="9525">
+                  <a14:hiddenLine xmlns="" xmlns:a14="http://schemas.microsoft.com/office/drawing/2010/main" w="9525">
                     <a:solidFill>
                       <a:srgbClr val="000000"/>
                     </a:solidFill>
@@ -12334,7 +12334,7 @@
               </a:ln>
               <a:extLst>
                 <a:ext uri="{91240B29-F687-4f45-9708-019B960494DF}">
-                  <a14:hiddenLine xmlns:a14="http://schemas.microsoft.com/office/drawing/2010/main" xmlns="" w="9525">
+                  <a14:hiddenLine xmlns="" xmlns:a14="http://schemas.microsoft.com/office/drawing/2010/main" w="9525">
                     <a:solidFill>
                       <a:srgbClr val="000000"/>
                     </a:solidFill>
@@ -12449,7 +12449,7 @@
               </a:ln>
               <a:extLst>
                 <a:ext uri="{91240B29-F687-4f45-9708-019B960494DF}">
-                  <a14:hiddenLine xmlns:a14="http://schemas.microsoft.com/office/drawing/2010/main" xmlns="" w="9525">
+                  <a14:hiddenLine xmlns="" xmlns:a14="http://schemas.microsoft.com/office/drawing/2010/main" w="9525">
                     <a:solidFill>
                       <a:srgbClr val="000000"/>
                     </a:solidFill>
@@ -12539,7 +12539,7 @@
               </a:ln>
               <a:extLst>
                 <a:ext uri="{91240B29-F687-4f45-9708-019B960494DF}">
-                  <a14:hiddenLine xmlns:a14="http://schemas.microsoft.com/office/drawing/2010/main" xmlns="" w="9525">
+                  <a14:hiddenLine xmlns="" xmlns:a14="http://schemas.microsoft.com/office/drawing/2010/main" w="9525">
                     <a:solidFill>
                       <a:srgbClr val="000000"/>
                     </a:solidFill>
@@ -12604,7 +12604,7 @@
               </a:ln>
               <a:extLst>
                 <a:ext uri="{91240B29-F687-4f45-9708-019B960494DF}">
-                  <a14:hiddenLine xmlns:a14="http://schemas.microsoft.com/office/drawing/2010/main" xmlns="" w="9525">
+                  <a14:hiddenLine xmlns="" xmlns:a14="http://schemas.microsoft.com/office/drawing/2010/main" w="9525">
                     <a:solidFill>
                       <a:srgbClr val="000000"/>
                     </a:solidFill>
@@ -12694,7 +12694,7 @@
               </a:ln>
               <a:extLst>
                 <a:ext uri="{91240B29-F687-4f45-9708-019B960494DF}">
-                  <a14:hiddenLine xmlns:a14="http://schemas.microsoft.com/office/drawing/2010/main" xmlns="" w="9525">
+                  <a14:hiddenLine xmlns="" xmlns:a14="http://schemas.microsoft.com/office/drawing/2010/main" w="9525">
                     <a:solidFill>
                       <a:srgbClr val="000000"/>
                     </a:solidFill>
@@ -12762,7 +12762,7 @@
               </a:ln>
               <a:extLst>
                 <a:ext uri="{91240B29-F687-4f45-9708-019B960494DF}">
-                  <a14:hiddenLine xmlns:a14="http://schemas.microsoft.com/office/drawing/2010/main" xmlns="" w="9525">
+                  <a14:hiddenLine xmlns="" xmlns:a14="http://schemas.microsoft.com/office/drawing/2010/main" w="9525">
                     <a:solidFill>
                       <a:srgbClr val="000000"/>
                     </a:solidFill>
@@ -12852,7 +12852,7 @@
               </a:ln>
               <a:extLst>
                 <a:ext uri="{91240B29-F687-4f45-9708-019B960494DF}">
-                  <a14:hiddenLine xmlns:a14="http://schemas.microsoft.com/office/drawing/2010/main" xmlns="" w="9525">
+                  <a14:hiddenLine xmlns="" xmlns:a14="http://schemas.microsoft.com/office/drawing/2010/main" w="9525">
                     <a:solidFill>
                       <a:srgbClr val="000000"/>
                     </a:solidFill>
@@ -12920,7 +12920,7 @@
               </a:ln>
               <a:extLst>
                 <a:ext uri="{91240B29-F687-4f45-9708-019B960494DF}">
-                  <a14:hiddenLine xmlns:a14="http://schemas.microsoft.com/office/drawing/2010/main" xmlns="" w="9525">
+                  <a14:hiddenLine xmlns="" xmlns:a14="http://schemas.microsoft.com/office/drawing/2010/main" w="9525">
                     <a:solidFill>
                       <a:srgbClr val="000000"/>
                     </a:solidFill>
@@ -13010,7 +13010,7 @@
               </a:ln>
               <a:extLst>
                 <a:ext uri="{91240B29-F687-4f45-9708-019B960494DF}">
-                  <a14:hiddenLine xmlns:a14="http://schemas.microsoft.com/office/drawing/2010/main" xmlns="" w="9525">
+                  <a14:hiddenLine xmlns="" xmlns:a14="http://schemas.microsoft.com/office/drawing/2010/main" w="9525">
                     <a:solidFill>
                       <a:srgbClr val="000000"/>
                     </a:solidFill>
@@ -13044,7 +13044,7 @@
               </a:ln>
               <a:extLst>
                 <a:ext uri="{91240B29-F687-4f45-9708-019B960494DF}">
-                  <a14:hiddenLine xmlns:a14="http://schemas.microsoft.com/office/drawing/2010/main" xmlns="" w="9525">
+                  <a14:hiddenLine xmlns="" xmlns:a14="http://schemas.microsoft.com/office/drawing/2010/main" w="9525">
                     <a:solidFill>
                       <a:srgbClr val="000000"/>
                     </a:solidFill>
@@ -13184,7 +13184,7 @@
           <a:p>
             <a:fld id="{EC4347D3-4C9A-C240-8F14-750059DFEEB0}" type="datetimeFigureOut">
               <a:rPr lang="en-US" smtClean="0"/>
-              <a:t>7/28/23</a:t>
+              <a:t>8/3/23</a:t>
             </a:fld>
             <a:endParaRPr lang="en-US"/>
           </a:p>
@@ -39713,8 +39713,8 @@
           </p:sp>
         </mc:Fallback>
       </mc:AlternateContent>
-      <mc:AlternateContent xmlns:mc="http://schemas.openxmlformats.org/markup-compatibility/2006" xmlns:a14="http://schemas.microsoft.com/office/drawing/2010/main">
-        <mc:Choice Requires="a14">
+      <mc:AlternateContent xmlns:mc="http://schemas.openxmlformats.org/markup-compatibility/2006">
+        <mc:Choice xmlns:a14="http://schemas.microsoft.com/office/drawing/2010/main" Requires="a14">
           <p:sp>
             <p:nvSpPr>
               <p:cNvPr id="3" name="Content Placeholder 2">
@@ -39734,7 +39734,7 @@
             <p:spPr>
               <a:xfrm>
                 <a:off x="2819137" y="2607296"/>
-                <a:ext cx="6960967" cy="740203"/>
+                <a:ext cx="6960967" cy="1633010"/>
               </a:xfrm>
             </p:spPr>
             <p:txBody>
@@ -39750,16 +39750,16 @@
                 <a14:m>
                   <m:oMath xmlns:m="http://schemas.openxmlformats.org/officeDocument/2006/math">
                     <m:r>
-                      <a:rPr lang="en-US" b="0" i="1" smtClean="0">
+                      <a:rPr lang="en-US" i="1">
                         <a:latin typeface="Cambria Math" panose="02040503050406030204" pitchFamily="18" charset="0"/>
                       </a:rPr>
-                      <m:t>ℕ</m:t>
-                    </m:r>
-                    <m:r>
-                      <a:rPr lang="en-US" b="0" i="1" smtClean="0">
+                      <m:t>ℤ</m:t>
+                    </m:r>
+                    <m:r>
+                      <a:rPr lang="en-US" i="1">
                         <a:latin typeface="Cambria Math" panose="02040503050406030204" pitchFamily="18" charset="0"/>
                       </a:rPr>
-                      <m:t>×</m:t>
+                      <m:t> ×</m:t>
                     </m:r>
                     <m:sSup>
                       <m:sSupPr>
@@ -39771,7 +39771,7 @@
                       </m:sSupPr>
                       <m:e>
                         <m:r>
-                          <a:rPr lang="en-US" b="0" i="1" smtClean="0">
+                          <a:rPr lang="en-US" i="1">
                             <a:latin typeface="Cambria Math" panose="02040503050406030204" pitchFamily="18" charset="0"/>
                           </a:rPr>
                           <m:t>ℤ</m:t>
@@ -39804,10 +39804,16 @@
                 </a14:m>
                 <a:endParaRPr lang="en-US" dirty="0"/>
               </a:p>
+              <a:p>
+                <a:r>
+                  <a:rPr lang="en-US" dirty="0"/>
+                  <a:t>This one is on your homework assignment</a:t>
+                </a:r>
+              </a:p>
             </p:txBody>
           </p:sp>
         </mc:Choice>
-        <mc:Fallback xmlns="">
+        <mc:Fallback>
           <p:sp>
             <p:nvSpPr>
               <p:cNvPr id="3" name="Content Placeholder 2">
@@ -39827,12 +39833,12 @@
             <p:spPr>
               <a:xfrm>
                 <a:off x="2819137" y="2607296"/>
-                <a:ext cx="6960967" cy="740203"/>
+                <a:ext cx="6960967" cy="1633010"/>
               </a:xfrm>
               <a:blipFill>
                 <a:blip r:embed="rId3"/>
                 <a:stretch>
-                  <a:fillRect l="-1639" t="-8333"/>
+                  <a:fillRect l="-1639" t="-3846"/>
                 </a:stretch>
               </a:blipFill>
             </p:spPr>

--- a/slides/03-Cardinality.pptx
+++ b/slides/03-Cardinality.pptx
@@ -252,7 +252,7 @@
           <a:p>
             <a:fld id="{C5B45307-6ED4-B142-BD64-10F739779302}" type="datetimeFigureOut">
               <a:rPr lang="en-US" smtClean="0"/>
-              <a:t>8/3/23</a:t>
+              <a:t>8/15/23</a:t>
             </a:fld>
             <a:endParaRPr lang="en-US"/>
           </a:p>
@@ -1326,7 +1326,7 @@
           <a:noFill/>
           <a:extLst>
             <a:ext uri="{909E8E84-426E-40dd-AFC4-6F175D3DCCD1}">
-              <a14:hiddenFill xmlns="" xmlns:a14="http://schemas.microsoft.com/office/drawing/2010/main">
+              <a14:hiddenFill xmlns:a14="http://schemas.microsoft.com/office/drawing/2010/main" xmlns="">
                 <a:solidFill>
                   <a:srgbClr val="FFFFFF"/>
                 </a:solidFill>
@@ -1385,7 +1385,7 @@
             </a:ln>
             <a:extLst>
               <a:ext uri="{91240B29-F687-4f45-9708-019B960494DF}">
-                <a14:hiddenLine xmlns="" xmlns:a14="http://schemas.microsoft.com/office/drawing/2010/main" w="9525">
+                <a14:hiddenLine xmlns:a14="http://schemas.microsoft.com/office/drawing/2010/main" xmlns="" w="9525">
                   <a:solidFill>
                     <a:srgbClr val="000000"/>
                   </a:solidFill>
@@ -1475,7 +1475,7 @@
             </a:ln>
             <a:extLst>
               <a:ext uri="{91240B29-F687-4f45-9708-019B960494DF}">
-                <a14:hiddenLine xmlns="" xmlns:a14="http://schemas.microsoft.com/office/drawing/2010/main" w="9525">
+                <a14:hiddenLine xmlns:a14="http://schemas.microsoft.com/office/drawing/2010/main" xmlns="" w="9525">
                   <a:solidFill>
                     <a:srgbClr val="000000"/>
                   </a:solidFill>
@@ -1565,7 +1565,7 @@
             </a:ln>
             <a:extLst>
               <a:ext uri="{91240B29-F687-4f45-9708-019B960494DF}">
-                <a14:hiddenLine xmlns="" xmlns:a14="http://schemas.microsoft.com/office/drawing/2010/main" w="9525">
+                <a14:hiddenLine xmlns:a14="http://schemas.microsoft.com/office/drawing/2010/main" xmlns="" w="9525">
                   <a:solidFill>
                     <a:srgbClr val="000000"/>
                   </a:solidFill>
@@ -1599,7 +1599,7 @@
             </a:ln>
             <a:extLst>
               <a:ext uri="{91240B29-F687-4f45-9708-019B960494DF}">
-                <a14:hiddenLine xmlns="" xmlns:a14="http://schemas.microsoft.com/office/drawing/2010/main" w="9525">
+                <a14:hiddenLine xmlns:a14="http://schemas.microsoft.com/office/drawing/2010/main" xmlns="" w="9525">
                   <a:solidFill>
                     <a:srgbClr val="000000"/>
                   </a:solidFill>
@@ -1689,7 +1689,7 @@
             </a:ln>
             <a:extLst>
               <a:ext uri="{91240B29-F687-4f45-9708-019B960494DF}">
-                <a14:hiddenLine xmlns="" xmlns:a14="http://schemas.microsoft.com/office/drawing/2010/main" w="9525">
+                <a14:hiddenLine xmlns:a14="http://schemas.microsoft.com/office/drawing/2010/main" xmlns="" w="9525">
                   <a:solidFill>
                     <a:srgbClr val="000000"/>
                   </a:solidFill>
@@ -1751,7 +1751,7 @@
             </a:ln>
             <a:extLst>
               <a:ext uri="{91240B29-F687-4f45-9708-019B960494DF}">
-                <a14:hiddenLine xmlns="" xmlns:a14="http://schemas.microsoft.com/office/drawing/2010/main" w="9525">
+                <a14:hiddenLine xmlns:a14="http://schemas.microsoft.com/office/drawing/2010/main" xmlns="" w="9525">
                   <a:solidFill>
                     <a:srgbClr val="000000"/>
                   </a:solidFill>
@@ -1813,7 +1813,7 @@
             </a:ln>
             <a:extLst>
               <a:ext uri="{91240B29-F687-4f45-9708-019B960494DF}">
-                <a14:hiddenLine xmlns="" xmlns:a14="http://schemas.microsoft.com/office/drawing/2010/main" w="9525">
+                <a14:hiddenLine xmlns:a14="http://schemas.microsoft.com/office/drawing/2010/main" xmlns="" w="9525">
                   <a:solidFill>
                     <a:srgbClr val="000000"/>
                   </a:solidFill>
@@ -1903,7 +1903,7 @@
             </a:ln>
             <a:extLst>
               <a:ext uri="{91240B29-F687-4f45-9708-019B960494DF}">
-                <a14:hiddenLine xmlns="" xmlns:a14="http://schemas.microsoft.com/office/drawing/2010/main" w="9525">
+                <a14:hiddenLine xmlns:a14="http://schemas.microsoft.com/office/drawing/2010/main" xmlns="" w="9525">
                   <a:solidFill>
                     <a:srgbClr val="000000"/>
                   </a:solidFill>
@@ -1965,7 +1965,7 @@
             </a:ln>
             <a:extLst>
               <a:ext uri="{91240B29-F687-4f45-9708-019B960494DF}">
-                <a14:hiddenLine xmlns="" xmlns:a14="http://schemas.microsoft.com/office/drawing/2010/main" w="9525">
+                <a14:hiddenLine xmlns:a14="http://schemas.microsoft.com/office/drawing/2010/main" xmlns="" w="9525">
                   <a:solidFill>
                     <a:srgbClr val="000000"/>
                   </a:solidFill>
@@ -2027,7 +2027,7 @@
             </a:ln>
             <a:extLst>
               <a:ext uri="{91240B29-F687-4f45-9708-019B960494DF}">
-                <a14:hiddenLine xmlns="" xmlns:a14="http://schemas.microsoft.com/office/drawing/2010/main" w="9525">
+                <a14:hiddenLine xmlns:a14="http://schemas.microsoft.com/office/drawing/2010/main" xmlns="" w="9525">
                   <a:solidFill>
                     <a:srgbClr val="000000"/>
                   </a:solidFill>
@@ -2117,7 +2117,7 @@
             </a:ln>
             <a:extLst>
               <a:ext uri="{91240B29-F687-4f45-9708-019B960494DF}">
-                <a14:hiddenLine xmlns="" xmlns:a14="http://schemas.microsoft.com/office/drawing/2010/main" w="9525">
+                <a14:hiddenLine xmlns:a14="http://schemas.microsoft.com/office/drawing/2010/main" xmlns="" w="9525">
                   <a:solidFill>
                     <a:srgbClr val="000000"/>
                   </a:solidFill>
@@ -2207,7 +2207,7 @@
             </a:ln>
             <a:extLst>
               <a:ext uri="{91240B29-F687-4f45-9708-019B960494DF}">
-                <a14:hiddenLine xmlns="" xmlns:a14="http://schemas.microsoft.com/office/drawing/2010/main" w="9525">
+                <a14:hiddenLine xmlns:a14="http://schemas.microsoft.com/office/drawing/2010/main" xmlns="" w="9525">
                   <a:solidFill>
                     <a:srgbClr val="000000"/>
                   </a:solidFill>
@@ -2269,7 +2269,7 @@
             </a:ln>
             <a:extLst>
               <a:ext uri="{91240B29-F687-4f45-9708-019B960494DF}">
-                <a14:hiddenLine xmlns="" xmlns:a14="http://schemas.microsoft.com/office/drawing/2010/main" w="9525">
+                <a14:hiddenLine xmlns:a14="http://schemas.microsoft.com/office/drawing/2010/main" xmlns="" w="9525">
                   <a:solidFill>
                     <a:srgbClr val="000000"/>
                   </a:solidFill>
@@ -2379,7 +2379,7 @@
             </a:ln>
             <a:extLst>
               <a:ext uri="{91240B29-F687-4f45-9708-019B960494DF}">
-                <a14:hiddenLine xmlns="" xmlns:a14="http://schemas.microsoft.com/office/drawing/2010/main" w="9525">
+                <a14:hiddenLine xmlns:a14="http://schemas.microsoft.com/office/drawing/2010/main" xmlns="" w="9525">
                   <a:solidFill>
                     <a:srgbClr val="000000"/>
                   </a:solidFill>
@@ -2441,7 +2441,7 @@
             </a:ln>
             <a:extLst>
               <a:ext uri="{91240B29-F687-4f45-9708-019B960494DF}">
-                <a14:hiddenLine xmlns="" xmlns:a14="http://schemas.microsoft.com/office/drawing/2010/main" w="9525">
+                <a14:hiddenLine xmlns:a14="http://schemas.microsoft.com/office/drawing/2010/main" xmlns="" w="9525">
                   <a:solidFill>
                     <a:srgbClr val="000000"/>
                   </a:solidFill>
@@ -2531,7 +2531,7 @@
             </a:ln>
             <a:extLst>
               <a:ext uri="{91240B29-F687-4f45-9708-019B960494DF}">
-                <a14:hiddenLine xmlns="" xmlns:a14="http://schemas.microsoft.com/office/drawing/2010/main" w="9525">
+                <a14:hiddenLine xmlns:a14="http://schemas.microsoft.com/office/drawing/2010/main" xmlns="" w="9525">
                   <a:solidFill>
                     <a:srgbClr val="000000"/>
                   </a:solidFill>
@@ -2621,7 +2621,7 @@
             </a:ln>
             <a:extLst>
               <a:ext uri="{91240B29-F687-4f45-9708-019B960494DF}">
-                <a14:hiddenLine xmlns="" xmlns:a14="http://schemas.microsoft.com/office/drawing/2010/main" w="9525">
+                <a14:hiddenLine xmlns:a14="http://schemas.microsoft.com/office/drawing/2010/main" xmlns="" w="9525">
                   <a:solidFill>
                     <a:srgbClr val="000000"/>
                   </a:solidFill>
@@ -2683,7 +2683,7 @@
             </a:ln>
             <a:extLst>
               <a:ext uri="{91240B29-F687-4f45-9708-019B960494DF}">
-                <a14:hiddenLine xmlns="" xmlns:a14="http://schemas.microsoft.com/office/drawing/2010/main" w="9525">
+                <a14:hiddenLine xmlns:a14="http://schemas.microsoft.com/office/drawing/2010/main" xmlns="" w="9525">
                   <a:solidFill>
                     <a:srgbClr val="000000"/>
                   </a:solidFill>
@@ -2773,7 +2773,7 @@
             </a:ln>
             <a:extLst>
               <a:ext uri="{91240B29-F687-4f45-9708-019B960494DF}">
-                <a14:hiddenLine xmlns="" xmlns:a14="http://schemas.microsoft.com/office/drawing/2010/main" w="9525">
+                <a14:hiddenLine xmlns:a14="http://schemas.microsoft.com/office/drawing/2010/main" xmlns="" w="9525">
                   <a:solidFill>
                     <a:srgbClr val="000000"/>
                   </a:solidFill>
@@ -2863,7 +2863,7 @@
             </a:ln>
             <a:extLst>
               <a:ext uri="{91240B29-F687-4f45-9708-019B960494DF}">
-                <a14:hiddenLine xmlns="" xmlns:a14="http://schemas.microsoft.com/office/drawing/2010/main" w="9525">
+                <a14:hiddenLine xmlns:a14="http://schemas.microsoft.com/office/drawing/2010/main" xmlns="" w="9525">
                   <a:solidFill>
                     <a:srgbClr val="000000"/>
                   </a:solidFill>
@@ -2919,7 +2919,7 @@
             </a:ln>
             <a:extLst>
               <a:ext uri="{91240B29-F687-4f45-9708-019B960494DF}">
-                <a14:hiddenLine xmlns="" xmlns:a14="http://schemas.microsoft.com/office/drawing/2010/main" w="9525">
+                <a14:hiddenLine xmlns:a14="http://schemas.microsoft.com/office/drawing/2010/main" xmlns="" w="9525">
                   <a:solidFill>
                     <a:srgbClr val="000000"/>
                   </a:solidFill>
@@ -3009,7 +3009,7 @@
             </a:ln>
             <a:extLst>
               <a:ext uri="{91240B29-F687-4f45-9708-019B960494DF}">
-                <a14:hiddenLine xmlns="" xmlns:a14="http://schemas.microsoft.com/office/drawing/2010/main" w="9525">
+                <a14:hiddenLine xmlns:a14="http://schemas.microsoft.com/office/drawing/2010/main" xmlns="" w="9525">
                   <a:solidFill>
                     <a:srgbClr val="000000"/>
                   </a:solidFill>
@@ -3065,7 +3065,7 @@
             </a:ln>
             <a:extLst>
               <a:ext uri="{91240B29-F687-4f45-9708-019B960494DF}">
-                <a14:hiddenLine xmlns="" xmlns:a14="http://schemas.microsoft.com/office/drawing/2010/main" w="9525">
+                <a14:hiddenLine xmlns:a14="http://schemas.microsoft.com/office/drawing/2010/main" xmlns="" w="9525">
                   <a:solidFill>
                     <a:srgbClr val="000000"/>
                   </a:solidFill>
@@ -3155,7 +3155,7 @@
             </a:ln>
             <a:extLst>
               <a:ext uri="{91240B29-F687-4f45-9708-019B960494DF}">
-                <a14:hiddenLine xmlns="" xmlns:a14="http://schemas.microsoft.com/office/drawing/2010/main" w="9525">
+                <a14:hiddenLine xmlns:a14="http://schemas.microsoft.com/office/drawing/2010/main" xmlns="" w="9525">
                   <a:solidFill>
                     <a:srgbClr val="000000"/>
                   </a:solidFill>
@@ -3223,7 +3223,7 @@
             </a:ln>
             <a:extLst>
               <a:ext uri="{91240B29-F687-4f45-9708-019B960494DF}">
-                <a14:hiddenLine xmlns="" xmlns:a14="http://schemas.microsoft.com/office/drawing/2010/main" w="9525">
+                <a14:hiddenLine xmlns:a14="http://schemas.microsoft.com/office/drawing/2010/main" xmlns="" w="9525">
                   <a:solidFill>
                     <a:srgbClr val="000000"/>
                   </a:solidFill>
@@ -3313,7 +3313,7 @@
             </a:ln>
             <a:extLst>
               <a:ext uri="{91240B29-F687-4f45-9708-019B960494DF}">
-                <a14:hiddenLine xmlns="" xmlns:a14="http://schemas.microsoft.com/office/drawing/2010/main" w="9525">
+                <a14:hiddenLine xmlns:a14="http://schemas.microsoft.com/office/drawing/2010/main" xmlns="" w="9525">
                   <a:solidFill>
                     <a:srgbClr val="000000"/>
                   </a:solidFill>
@@ -3381,7 +3381,7 @@
             </a:ln>
             <a:extLst>
               <a:ext uri="{91240B29-F687-4f45-9708-019B960494DF}">
-                <a14:hiddenLine xmlns="" xmlns:a14="http://schemas.microsoft.com/office/drawing/2010/main" w="9525">
+                <a14:hiddenLine xmlns:a14="http://schemas.microsoft.com/office/drawing/2010/main" xmlns="" w="9525">
                   <a:solidFill>
                     <a:srgbClr val="000000"/>
                   </a:solidFill>
@@ -3471,7 +3471,7 @@
             </a:ln>
             <a:extLst>
               <a:ext uri="{91240B29-F687-4f45-9708-019B960494DF}">
-                <a14:hiddenLine xmlns="" xmlns:a14="http://schemas.microsoft.com/office/drawing/2010/main" w="9525">
+                <a14:hiddenLine xmlns:a14="http://schemas.microsoft.com/office/drawing/2010/main" xmlns="" w="9525">
                   <a:solidFill>
                     <a:srgbClr val="000000"/>
                   </a:solidFill>
@@ -3505,7 +3505,7 @@
             </a:ln>
             <a:extLst>
               <a:ext uri="{91240B29-F687-4f45-9708-019B960494DF}">
-                <a14:hiddenLine xmlns="" xmlns:a14="http://schemas.microsoft.com/office/drawing/2010/main" w="9525">
+                <a14:hiddenLine xmlns:a14="http://schemas.microsoft.com/office/drawing/2010/main" xmlns="" w="9525">
                   <a:solidFill>
                     <a:srgbClr val="000000"/>
                   </a:solidFill>
@@ -3595,7 +3595,7 @@
             </a:ln>
             <a:extLst>
               <a:ext uri="{91240B29-F687-4f45-9708-019B960494DF}">
-                <a14:hiddenLine xmlns="" xmlns:a14="http://schemas.microsoft.com/office/drawing/2010/main" w="9525">
+                <a14:hiddenLine xmlns:a14="http://schemas.microsoft.com/office/drawing/2010/main" xmlns="" w="9525">
                   <a:solidFill>
                     <a:srgbClr val="000000"/>
                   </a:solidFill>
@@ -3657,7 +3657,7 @@
             </a:ln>
             <a:extLst>
               <a:ext uri="{91240B29-F687-4f45-9708-019B960494DF}">
-                <a14:hiddenLine xmlns="" xmlns:a14="http://schemas.microsoft.com/office/drawing/2010/main" w="9525">
+                <a14:hiddenLine xmlns:a14="http://schemas.microsoft.com/office/drawing/2010/main" xmlns="" w="9525">
                   <a:solidFill>
                     <a:srgbClr val="000000"/>
                   </a:solidFill>
@@ -3719,7 +3719,7 @@
             </a:ln>
             <a:extLst>
               <a:ext uri="{91240B29-F687-4f45-9708-019B960494DF}">
-                <a14:hiddenLine xmlns="" xmlns:a14="http://schemas.microsoft.com/office/drawing/2010/main" w="9525">
+                <a14:hiddenLine xmlns:a14="http://schemas.microsoft.com/office/drawing/2010/main" xmlns="" w="9525">
                   <a:solidFill>
                     <a:srgbClr val="000000"/>
                   </a:solidFill>
@@ -3809,7 +3809,7 @@
             </a:ln>
             <a:extLst>
               <a:ext uri="{91240B29-F687-4f45-9708-019B960494DF}">
-                <a14:hiddenLine xmlns="" xmlns:a14="http://schemas.microsoft.com/office/drawing/2010/main" w="9525">
+                <a14:hiddenLine xmlns:a14="http://schemas.microsoft.com/office/drawing/2010/main" xmlns="" w="9525">
                   <a:solidFill>
                     <a:srgbClr val="000000"/>
                   </a:solidFill>
@@ -3877,7 +3877,7 @@
             </a:ln>
             <a:extLst>
               <a:ext uri="{91240B29-F687-4f45-9708-019B960494DF}">
-                <a14:hiddenLine xmlns="" xmlns:a14="http://schemas.microsoft.com/office/drawing/2010/main" w="9525">
+                <a14:hiddenLine xmlns:a14="http://schemas.microsoft.com/office/drawing/2010/main" xmlns="" w="9525">
                   <a:solidFill>
                     <a:srgbClr val="000000"/>
                   </a:solidFill>
@@ -3939,7 +3939,7 @@
             </a:ln>
             <a:extLst>
               <a:ext uri="{91240B29-F687-4f45-9708-019B960494DF}">
-                <a14:hiddenLine xmlns="" xmlns:a14="http://schemas.microsoft.com/office/drawing/2010/main" w="9525">
+                <a14:hiddenLine xmlns:a14="http://schemas.microsoft.com/office/drawing/2010/main" xmlns="" w="9525">
                   <a:solidFill>
                     <a:srgbClr val="000000"/>
                   </a:solidFill>
@@ -4029,7 +4029,7 @@
             </a:ln>
             <a:extLst>
               <a:ext uri="{91240B29-F687-4f45-9708-019B960494DF}">
-                <a14:hiddenLine xmlns="" xmlns:a14="http://schemas.microsoft.com/office/drawing/2010/main" w="9525">
+                <a14:hiddenLine xmlns:a14="http://schemas.microsoft.com/office/drawing/2010/main" xmlns="" w="9525">
                   <a:solidFill>
                     <a:srgbClr val="000000"/>
                   </a:solidFill>
@@ -4091,7 +4091,7 @@
             </a:ln>
             <a:extLst>
               <a:ext uri="{91240B29-F687-4f45-9708-019B960494DF}">
-                <a14:hiddenLine xmlns="" xmlns:a14="http://schemas.microsoft.com/office/drawing/2010/main" w="9525">
+                <a14:hiddenLine xmlns:a14="http://schemas.microsoft.com/office/drawing/2010/main" xmlns="" w="9525">
                   <a:solidFill>
                     <a:srgbClr val="000000"/>
                   </a:solidFill>
@@ -4181,7 +4181,7 @@
             </a:ln>
             <a:extLst>
               <a:ext uri="{91240B29-F687-4f45-9708-019B960494DF}">
-                <a14:hiddenLine xmlns="" xmlns:a14="http://schemas.microsoft.com/office/drawing/2010/main" w="9525">
+                <a14:hiddenLine xmlns:a14="http://schemas.microsoft.com/office/drawing/2010/main" xmlns="" w="9525">
                   <a:solidFill>
                     <a:srgbClr val="000000"/>
                   </a:solidFill>
@@ -4243,7 +4243,7 @@
             </a:ln>
             <a:extLst>
               <a:ext uri="{91240B29-F687-4f45-9708-019B960494DF}">
-                <a14:hiddenLine xmlns="" xmlns:a14="http://schemas.microsoft.com/office/drawing/2010/main" w="9525">
+                <a14:hiddenLine xmlns:a14="http://schemas.microsoft.com/office/drawing/2010/main" xmlns="" w="9525">
                   <a:solidFill>
                     <a:srgbClr val="000000"/>
                   </a:solidFill>
@@ -4333,7 +4333,7 @@
             </a:ln>
             <a:extLst>
               <a:ext uri="{91240B29-F687-4f45-9708-019B960494DF}">
-                <a14:hiddenLine xmlns="" xmlns:a14="http://schemas.microsoft.com/office/drawing/2010/main" w="9525">
+                <a14:hiddenLine xmlns:a14="http://schemas.microsoft.com/office/drawing/2010/main" xmlns="" w="9525">
                   <a:solidFill>
                     <a:srgbClr val="000000"/>
                   </a:solidFill>
@@ -4367,7 +4367,7 @@
             </a:ln>
             <a:extLst>
               <a:ext uri="{91240B29-F687-4f45-9708-019B960494DF}">
-                <a14:hiddenLine xmlns="" xmlns:a14="http://schemas.microsoft.com/office/drawing/2010/main" w="9525">
+                <a14:hiddenLine xmlns:a14="http://schemas.microsoft.com/office/drawing/2010/main" xmlns="" w="9525">
                   <a:solidFill>
                     <a:srgbClr val="000000"/>
                   </a:solidFill>
@@ -4432,7 +4432,7 @@
             </a:ln>
             <a:extLst>
               <a:ext uri="{91240B29-F687-4f45-9708-019B960494DF}">
-                <a14:hiddenLine xmlns="" xmlns:a14="http://schemas.microsoft.com/office/drawing/2010/main" w="9525">
+                <a14:hiddenLine xmlns:a14="http://schemas.microsoft.com/office/drawing/2010/main" xmlns="" w="9525">
                   <a:solidFill>
                     <a:srgbClr val="000000"/>
                   </a:solidFill>
@@ -4522,7 +4522,7 @@
             </a:ln>
             <a:extLst>
               <a:ext uri="{91240B29-F687-4f45-9708-019B960494DF}">
-                <a14:hiddenLine xmlns="" xmlns:a14="http://schemas.microsoft.com/office/drawing/2010/main" w="9525">
+                <a14:hiddenLine xmlns:a14="http://schemas.microsoft.com/office/drawing/2010/main" xmlns="" w="9525">
                   <a:solidFill>
                     <a:srgbClr val="000000"/>
                   </a:solidFill>
@@ -4584,7 +4584,7 @@
             </a:ln>
             <a:extLst>
               <a:ext uri="{91240B29-F687-4f45-9708-019B960494DF}">
-                <a14:hiddenLine xmlns="" xmlns:a14="http://schemas.microsoft.com/office/drawing/2010/main" w="9525">
+                <a14:hiddenLine xmlns:a14="http://schemas.microsoft.com/office/drawing/2010/main" xmlns="" w="9525">
                   <a:solidFill>
                     <a:srgbClr val="000000"/>
                   </a:solidFill>
@@ -4674,7 +4674,7 @@
             </a:ln>
             <a:extLst>
               <a:ext uri="{91240B29-F687-4f45-9708-019B960494DF}">
-                <a14:hiddenLine xmlns="" xmlns:a14="http://schemas.microsoft.com/office/drawing/2010/main" w="9525">
+                <a14:hiddenLine xmlns:a14="http://schemas.microsoft.com/office/drawing/2010/main" xmlns="" w="9525">
                   <a:solidFill>
                     <a:srgbClr val="000000"/>
                   </a:solidFill>
@@ -4764,7 +4764,7 @@
             </a:ln>
             <a:extLst>
               <a:ext uri="{91240B29-F687-4f45-9708-019B960494DF}">
-                <a14:hiddenLine xmlns="" xmlns:a14="http://schemas.microsoft.com/office/drawing/2010/main" w="9525">
+                <a14:hiddenLine xmlns:a14="http://schemas.microsoft.com/office/drawing/2010/main" xmlns="" w="9525">
                   <a:solidFill>
                     <a:srgbClr val="000000"/>
                   </a:solidFill>
@@ -4829,7 +4829,7 @@
             </a:ln>
             <a:extLst>
               <a:ext uri="{91240B29-F687-4f45-9708-019B960494DF}">
-                <a14:hiddenLine xmlns="" xmlns:a14="http://schemas.microsoft.com/office/drawing/2010/main" w="9525">
+                <a14:hiddenLine xmlns:a14="http://schemas.microsoft.com/office/drawing/2010/main" xmlns="" w="9525">
                   <a:solidFill>
                     <a:srgbClr val="000000"/>
                   </a:solidFill>
@@ -4891,7 +4891,7 @@
             </a:ln>
             <a:extLst>
               <a:ext uri="{91240B29-F687-4f45-9708-019B960494DF}">
-                <a14:hiddenLine xmlns="" xmlns:a14="http://schemas.microsoft.com/office/drawing/2010/main" w="9525">
+                <a14:hiddenLine xmlns:a14="http://schemas.microsoft.com/office/drawing/2010/main" xmlns="" w="9525">
                   <a:solidFill>
                     <a:srgbClr val="000000"/>
                   </a:solidFill>
@@ -4981,7 +4981,7 @@
             </a:ln>
             <a:extLst>
               <a:ext uri="{91240B29-F687-4f45-9708-019B960494DF}">
-                <a14:hiddenLine xmlns="" xmlns:a14="http://schemas.microsoft.com/office/drawing/2010/main" w="9525">
+                <a14:hiddenLine xmlns:a14="http://schemas.microsoft.com/office/drawing/2010/main" xmlns="" w="9525">
                   <a:solidFill>
                     <a:srgbClr val="000000"/>
                   </a:solidFill>
@@ -5071,7 +5071,7 @@
             </a:ln>
             <a:extLst>
               <a:ext uri="{91240B29-F687-4f45-9708-019B960494DF}">
-                <a14:hiddenLine xmlns="" xmlns:a14="http://schemas.microsoft.com/office/drawing/2010/main" w="9525">
+                <a14:hiddenLine xmlns:a14="http://schemas.microsoft.com/office/drawing/2010/main" xmlns="" w="9525">
                   <a:solidFill>
                     <a:srgbClr val="000000"/>
                   </a:solidFill>
@@ -5133,7 +5133,7 @@
             </a:ln>
             <a:extLst>
               <a:ext uri="{91240B29-F687-4f45-9708-019B960494DF}">
-                <a14:hiddenLine xmlns="" xmlns:a14="http://schemas.microsoft.com/office/drawing/2010/main" w="9525">
+                <a14:hiddenLine xmlns:a14="http://schemas.microsoft.com/office/drawing/2010/main" xmlns="" w="9525">
                   <a:solidFill>
                     <a:srgbClr val="000000"/>
                   </a:solidFill>
@@ -5253,7 +5253,7 @@
             </a:ln>
             <a:extLst>
               <a:ext uri="{91240B29-F687-4f45-9708-019B960494DF}">
-                <a14:hiddenLine xmlns="" xmlns:a14="http://schemas.microsoft.com/office/drawing/2010/main" w="9525">
+                <a14:hiddenLine xmlns:a14="http://schemas.microsoft.com/office/drawing/2010/main" xmlns="" w="9525">
                   <a:solidFill>
                     <a:srgbClr val="000000"/>
                   </a:solidFill>
@@ -5321,7 +5321,7 @@
             </a:ln>
             <a:extLst>
               <a:ext uri="{91240B29-F687-4f45-9708-019B960494DF}">
-                <a14:hiddenLine xmlns="" xmlns:a14="http://schemas.microsoft.com/office/drawing/2010/main" w="9525">
+                <a14:hiddenLine xmlns:a14="http://schemas.microsoft.com/office/drawing/2010/main" xmlns="" w="9525">
                   <a:solidFill>
                     <a:srgbClr val="000000"/>
                   </a:solidFill>
@@ -5411,7 +5411,7 @@
             </a:ln>
             <a:extLst>
               <a:ext uri="{91240B29-F687-4f45-9708-019B960494DF}">
-                <a14:hiddenLine xmlns="" xmlns:a14="http://schemas.microsoft.com/office/drawing/2010/main" w="9525">
+                <a14:hiddenLine xmlns:a14="http://schemas.microsoft.com/office/drawing/2010/main" xmlns="" w="9525">
                   <a:solidFill>
                     <a:srgbClr val="000000"/>
                   </a:solidFill>
@@ -5551,7 +5551,7 @@
           <a:p>
             <a:fld id="{EC4347D3-4C9A-C240-8F14-750059DFEEB0}" type="datetimeFigureOut">
               <a:rPr lang="en-US" smtClean="0"/>
-              <a:t>8/3/23</a:t>
+              <a:t>8/15/23</a:t>
             </a:fld>
             <a:endParaRPr lang="en-US"/>
           </a:p>
@@ -5818,7 +5818,7 @@
           <a:p>
             <a:fld id="{EC4347D3-4C9A-C240-8F14-750059DFEEB0}" type="datetimeFigureOut">
               <a:rPr lang="en-US" smtClean="0"/>
-              <a:t>8/3/23</a:t>
+              <a:t>8/15/23</a:t>
             </a:fld>
             <a:endParaRPr lang="en-US"/>
           </a:p>
@@ -6014,7 +6014,7 @@
           <a:p>
             <a:fld id="{EC4347D3-4C9A-C240-8F14-750059DFEEB0}" type="datetimeFigureOut">
               <a:rPr lang="en-US" smtClean="0"/>
-              <a:t>8/3/23</a:t>
+              <a:t>8/15/23</a:t>
             </a:fld>
             <a:endParaRPr lang="en-US"/>
           </a:p>
@@ -6277,7 +6277,7 @@
           <a:p>
             <a:fld id="{EC4347D3-4C9A-C240-8F14-750059DFEEB0}" type="datetimeFigureOut">
               <a:rPr lang="en-US" smtClean="0"/>
-              <a:t>8/3/23</a:t>
+              <a:t>8/15/23</a:t>
             </a:fld>
             <a:endParaRPr lang="en-US"/>
           </a:p>
@@ -6711,7 +6711,7 @@
           <a:p>
             <a:fld id="{EC4347D3-4C9A-C240-8F14-750059DFEEB0}" type="datetimeFigureOut">
               <a:rPr lang="en-US" smtClean="0"/>
-              <a:t>8/3/23</a:t>
+              <a:t>8/15/23</a:t>
             </a:fld>
             <a:endParaRPr lang="en-US"/>
           </a:p>
@@ -7257,7 +7257,7 @@
           <a:p>
             <a:fld id="{EC4347D3-4C9A-C240-8F14-750059DFEEB0}" type="datetimeFigureOut">
               <a:rPr lang="en-US" smtClean="0"/>
-              <a:t>8/3/23</a:t>
+              <a:t>8/15/23</a:t>
             </a:fld>
             <a:endParaRPr lang="en-US"/>
           </a:p>
@@ -7977,7 +7977,7 @@
           <a:p>
             <a:fld id="{EC4347D3-4C9A-C240-8F14-750059DFEEB0}" type="datetimeFigureOut">
               <a:rPr lang="en-US" smtClean="0"/>
-              <a:t>8/3/23</a:t>
+              <a:t>8/15/23</a:t>
             </a:fld>
             <a:endParaRPr lang="en-US"/>
           </a:p>
@@ -8147,7 +8147,7 @@
           <a:p>
             <a:fld id="{EC4347D3-4C9A-C240-8F14-750059DFEEB0}" type="datetimeFigureOut">
               <a:rPr lang="en-US" smtClean="0"/>
-              <a:t>8/3/23</a:t>
+              <a:t>8/15/23</a:t>
             </a:fld>
             <a:endParaRPr lang="en-US"/>
           </a:p>
@@ -8327,7 +8327,7 @@
           <a:p>
             <a:fld id="{EC4347D3-4C9A-C240-8F14-750059DFEEB0}" type="datetimeFigureOut">
               <a:rPr lang="en-US" smtClean="0"/>
-              <a:t>8/3/23</a:t>
+              <a:t>8/15/23</a:t>
             </a:fld>
             <a:endParaRPr lang="en-US"/>
           </a:p>
@@ -8497,7 +8497,7 @@
           <a:p>
             <a:fld id="{EC4347D3-4C9A-C240-8F14-750059DFEEB0}" type="datetimeFigureOut">
               <a:rPr lang="en-US" smtClean="0"/>
-              <a:t>8/3/23</a:t>
+              <a:t>8/15/23</a:t>
             </a:fld>
             <a:endParaRPr lang="en-US"/>
           </a:p>
@@ -8747,7 +8747,7 @@
           <a:p>
             <a:fld id="{EC4347D3-4C9A-C240-8F14-750059DFEEB0}" type="datetimeFigureOut">
               <a:rPr lang="en-US" smtClean="0"/>
-              <a:t>8/3/23</a:t>
+              <a:t>8/15/23</a:t>
             </a:fld>
             <a:endParaRPr lang="en-US"/>
           </a:p>
@@ -8979,7 +8979,7 @@
           <a:p>
             <a:fld id="{EC4347D3-4C9A-C240-8F14-750059DFEEB0}" type="datetimeFigureOut">
               <a:rPr lang="en-US" smtClean="0"/>
-              <a:t>8/3/23</a:t>
+              <a:t>8/15/23</a:t>
             </a:fld>
             <a:endParaRPr lang="en-US"/>
           </a:p>
@@ -9365,7 +9365,7 @@
           <a:p>
             <a:fld id="{EC4347D3-4C9A-C240-8F14-750059DFEEB0}" type="datetimeFigureOut">
               <a:rPr lang="en-US" smtClean="0"/>
-              <a:t>8/3/23</a:t>
+              <a:t>8/15/23</a:t>
             </a:fld>
             <a:endParaRPr lang="en-US"/>
           </a:p>
@@ -9488,7 +9488,7 @@
           <a:p>
             <a:fld id="{EC4347D3-4C9A-C240-8F14-750059DFEEB0}" type="datetimeFigureOut">
               <a:rPr lang="en-US" smtClean="0"/>
-              <a:t>8/3/23</a:t>
+              <a:t>8/15/23</a:t>
             </a:fld>
             <a:endParaRPr lang="en-US"/>
           </a:p>
@@ -9583,7 +9583,7 @@
           <a:p>
             <a:fld id="{EC4347D3-4C9A-C240-8F14-750059DFEEB0}" type="datetimeFigureOut">
               <a:rPr lang="en-US" smtClean="0"/>
-              <a:t>8/3/23</a:t>
+              <a:t>8/15/23</a:t>
             </a:fld>
             <a:endParaRPr lang="en-US"/>
           </a:p>
@@ -9832,7 +9832,7 @@
           <a:p>
             <a:fld id="{EC4347D3-4C9A-C240-8F14-750059DFEEB0}" type="datetimeFigureOut">
               <a:rPr lang="en-US" smtClean="0"/>
-              <a:t>8/3/23</a:t>
+              <a:t>8/15/23</a:t>
             </a:fld>
             <a:endParaRPr lang="en-US"/>
           </a:p>
@@ -10117,7 +10117,7 @@
           <a:p>
             <a:fld id="{EC4347D3-4C9A-C240-8F14-750059DFEEB0}" type="datetimeFigureOut">
               <a:rPr lang="en-US" smtClean="0"/>
-              <a:t>8/3/23</a:t>
+              <a:t>8/15/23</a:t>
             </a:fld>
             <a:endParaRPr lang="en-US"/>
           </a:p>
@@ -10240,7 +10240,7 @@
           <a:noFill/>
           <a:extLst>
             <a:ext uri="{909E8E84-426E-40dd-AFC4-6F175D3DCCD1}">
-              <a14:hiddenFill xmlns="" xmlns:a14="http://schemas.microsoft.com/office/drawing/2010/main">
+              <a14:hiddenFill xmlns:a14="http://schemas.microsoft.com/office/drawing/2010/main" xmlns="">
                 <a:solidFill>
                   <a:srgbClr val="FFFFFF"/>
                 </a:solidFill>
@@ -10314,7 +10314,7 @@
               </a:ln>
               <a:extLst>
                 <a:ext uri="{91240B29-F687-4f45-9708-019B960494DF}">
-                  <a14:hiddenLine xmlns="" xmlns:a14="http://schemas.microsoft.com/office/drawing/2010/main" w="9525">
+                  <a14:hiddenLine xmlns:a14="http://schemas.microsoft.com/office/drawing/2010/main" xmlns="" w="9525">
                     <a:solidFill>
                       <a:srgbClr val="000000"/>
                     </a:solidFill>
@@ -10404,7 +10404,7 @@
               </a:ln>
               <a:extLst>
                 <a:ext uri="{91240B29-F687-4f45-9708-019B960494DF}">
-                  <a14:hiddenLine xmlns="" xmlns:a14="http://schemas.microsoft.com/office/drawing/2010/main" w="9525">
+                  <a14:hiddenLine xmlns:a14="http://schemas.microsoft.com/office/drawing/2010/main" xmlns="" w="9525">
                     <a:solidFill>
                       <a:srgbClr val="000000"/>
                     </a:solidFill>
@@ -10494,7 +10494,7 @@
               </a:ln>
               <a:extLst>
                 <a:ext uri="{91240B29-F687-4f45-9708-019B960494DF}">
-                  <a14:hiddenLine xmlns="" xmlns:a14="http://schemas.microsoft.com/office/drawing/2010/main" w="9525">
+                  <a14:hiddenLine xmlns:a14="http://schemas.microsoft.com/office/drawing/2010/main" xmlns="" w="9525">
                     <a:solidFill>
                       <a:srgbClr val="000000"/>
                     </a:solidFill>
@@ -10556,7 +10556,7 @@
               </a:ln>
               <a:extLst>
                 <a:ext uri="{91240B29-F687-4f45-9708-019B960494DF}">
-                  <a14:hiddenLine xmlns="" xmlns:a14="http://schemas.microsoft.com/office/drawing/2010/main" w="9525">
+                  <a14:hiddenLine xmlns:a14="http://schemas.microsoft.com/office/drawing/2010/main" xmlns="" w="9525">
                     <a:solidFill>
                       <a:srgbClr val="000000"/>
                     </a:solidFill>
@@ -10646,7 +10646,7 @@
               </a:ln>
               <a:extLst>
                 <a:ext uri="{91240B29-F687-4f45-9708-019B960494DF}">
-                  <a14:hiddenLine xmlns="" xmlns:a14="http://schemas.microsoft.com/office/drawing/2010/main" w="9525">
+                  <a14:hiddenLine xmlns:a14="http://schemas.microsoft.com/office/drawing/2010/main" xmlns="" w="9525">
                     <a:solidFill>
                       <a:srgbClr val="000000"/>
                     </a:solidFill>
@@ -10708,7 +10708,7 @@
               </a:ln>
               <a:extLst>
                 <a:ext uri="{91240B29-F687-4f45-9708-019B960494DF}">
-                  <a14:hiddenLine xmlns="" xmlns:a14="http://schemas.microsoft.com/office/drawing/2010/main" w="9525">
+                  <a14:hiddenLine xmlns:a14="http://schemas.microsoft.com/office/drawing/2010/main" xmlns="" w="9525">
                     <a:solidFill>
                       <a:srgbClr val="000000"/>
                     </a:solidFill>
@@ -10770,7 +10770,7 @@
               </a:ln>
               <a:extLst>
                 <a:ext uri="{91240B29-F687-4f45-9708-019B960494DF}">
-                  <a14:hiddenLine xmlns="" xmlns:a14="http://schemas.microsoft.com/office/drawing/2010/main" w="9525">
+                  <a14:hiddenLine xmlns:a14="http://schemas.microsoft.com/office/drawing/2010/main" xmlns="" w="9525">
                     <a:solidFill>
                       <a:srgbClr val="000000"/>
                     </a:solidFill>
@@ -10860,7 +10860,7 @@
               </a:ln>
               <a:extLst>
                 <a:ext uri="{91240B29-F687-4f45-9708-019B960494DF}">
-                  <a14:hiddenLine xmlns="" xmlns:a14="http://schemas.microsoft.com/office/drawing/2010/main" w="9525">
+                  <a14:hiddenLine xmlns:a14="http://schemas.microsoft.com/office/drawing/2010/main" xmlns="" w="9525">
                     <a:solidFill>
                       <a:srgbClr val="000000"/>
                     </a:solidFill>
@@ -10950,7 +10950,7 @@
               </a:ln>
               <a:extLst>
                 <a:ext uri="{91240B29-F687-4f45-9708-019B960494DF}">
-                  <a14:hiddenLine xmlns="" xmlns:a14="http://schemas.microsoft.com/office/drawing/2010/main" w="9525">
+                  <a14:hiddenLine xmlns:a14="http://schemas.microsoft.com/office/drawing/2010/main" xmlns="" w="9525">
                     <a:solidFill>
                       <a:srgbClr val="000000"/>
                     </a:solidFill>
@@ -11012,7 +11012,7 @@
               </a:ln>
               <a:extLst>
                 <a:ext uri="{91240B29-F687-4f45-9708-019B960494DF}">
-                  <a14:hiddenLine xmlns="" xmlns:a14="http://schemas.microsoft.com/office/drawing/2010/main" w="9525">
+                  <a14:hiddenLine xmlns:a14="http://schemas.microsoft.com/office/drawing/2010/main" xmlns="" w="9525">
                     <a:solidFill>
                       <a:srgbClr val="000000"/>
                     </a:solidFill>
@@ -11122,7 +11122,7 @@
               </a:ln>
               <a:extLst>
                 <a:ext uri="{91240B29-F687-4f45-9708-019B960494DF}">
-                  <a14:hiddenLine xmlns="" xmlns:a14="http://schemas.microsoft.com/office/drawing/2010/main" w="9525">
+                  <a14:hiddenLine xmlns:a14="http://schemas.microsoft.com/office/drawing/2010/main" xmlns="" w="9525">
                     <a:solidFill>
                       <a:srgbClr val="000000"/>
                     </a:solidFill>
@@ -11206,7 +11206,7 @@
               </a:ln>
               <a:extLst>
                 <a:ext uri="{91240B29-F687-4f45-9708-019B960494DF}">
-                  <a14:hiddenLine xmlns="" xmlns:a14="http://schemas.microsoft.com/office/drawing/2010/main" w="9525">
+                  <a14:hiddenLine xmlns:a14="http://schemas.microsoft.com/office/drawing/2010/main" xmlns="" w="9525">
                     <a:solidFill>
                       <a:srgbClr val="000000"/>
                     </a:solidFill>
@@ -11268,7 +11268,7 @@
               </a:ln>
               <a:extLst>
                 <a:ext uri="{91240B29-F687-4f45-9708-019B960494DF}">
-                  <a14:hiddenLine xmlns="" xmlns:a14="http://schemas.microsoft.com/office/drawing/2010/main" w="9525">
+                  <a14:hiddenLine xmlns:a14="http://schemas.microsoft.com/office/drawing/2010/main" xmlns="" w="9525">
                     <a:solidFill>
                       <a:srgbClr val="000000"/>
                     </a:solidFill>
@@ -11330,7 +11330,7 @@
               </a:ln>
               <a:extLst>
                 <a:ext uri="{91240B29-F687-4f45-9708-019B960494DF}">
-                  <a14:hiddenLine xmlns="" xmlns:a14="http://schemas.microsoft.com/office/drawing/2010/main" w="9525">
+                  <a14:hiddenLine xmlns:a14="http://schemas.microsoft.com/office/drawing/2010/main" xmlns="" w="9525">
                     <a:solidFill>
                       <a:srgbClr val="000000"/>
                     </a:solidFill>
@@ -11420,7 +11420,7 @@
               </a:ln>
               <a:extLst>
                 <a:ext uri="{91240B29-F687-4f45-9708-019B960494DF}">
-                  <a14:hiddenLine xmlns="" xmlns:a14="http://schemas.microsoft.com/office/drawing/2010/main" w="9525">
+                  <a14:hiddenLine xmlns:a14="http://schemas.microsoft.com/office/drawing/2010/main" xmlns="" w="9525">
                     <a:solidFill>
                       <a:srgbClr val="000000"/>
                     </a:solidFill>
@@ -11454,7 +11454,7 @@
               </a:ln>
               <a:extLst>
                 <a:ext uri="{91240B29-F687-4f45-9708-019B960494DF}">
-                  <a14:hiddenLine xmlns="" xmlns:a14="http://schemas.microsoft.com/office/drawing/2010/main" w="9525">
+                  <a14:hiddenLine xmlns:a14="http://schemas.microsoft.com/office/drawing/2010/main" xmlns="" w="9525">
                     <a:solidFill>
                       <a:srgbClr val="000000"/>
                     </a:solidFill>
@@ -11519,7 +11519,7 @@
               </a:ln>
               <a:extLst>
                 <a:ext uri="{91240B29-F687-4f45-9708-019B960494DF}">
-                  <a14:hiddenLine xmlns="" xmlns:a14="http://schemas.microsoft.com/office/drawing/2010/main" w="9525">
+                  <a14:hiddenLine xmlns:a14="http://schemas.microsoft.com/office/drawing/2010/main" xmlns="" w="9525">
                     <a:solidFill>
                       <a:srgbClr val="000000"/>
                     </a:solidFill>
@@ -11609,7 +11609,7 @@
               </a:ln>
               <a:extLst>
                 <a:ext uri="{91240B29-F687-4f45-9708-019B960494DF}">
-                  <a14:hiddenLine xmlns="" xmlns:a14="http://schemas.microsoft.com/office/drawing/2010/main" w="9525">
+                  <a14:hiddenLine xmlns:a14="http://schemas.microsoft.com/office/drawing/2010/main" xmlns="" w="9525">
                     <a:solidFill>
                       <a:srgbClr val="000000"/>
                     </a:solidFill>
@@ -11671,7 +11671,7 @@
               </a:ln>
               <a:extLst>
                 <a:ext uri="{91240B29-F687-4f45-9708-019B960494DF}">
-                  <a14:hiddenLine xmlns="" xmlns:a14="http://schemas.microsoft.com/office/drawing/2010/main" w="9525">
+                  <a14:hiddenLine xmlns:a14="http://schemas.microsoft.com/office/drawing/2010/main" xmlns="" w="9525">
                     <a:solidFill>
                       <a:srgbClr val="000000"/>
                     </a:solidFill>
@@ -11761,7 +11761,7 @@
               </a:ln>
               <a:extLst>
                 <a:ext uri="{91240B29-F687-4f45-9708-019B960494DF}">
-                  <a14:hiddenLine xmlns="" xmlns:a14="http://schemas.microsoft.com/office/drawing/2010/main" w="9525">
+                  <a14:hiddenLine xmlns:a14="http://schemas.microsoft.com/office/drawing/2010/main" xmlns="" w="9525">
                     <a:solidFill>
                       <a:srgbClr val="000000"/>
                     </a:solidFill>
@@ -11826,7 +11826,7 @@
               </a:ln>
               <a:extLst>
                 <a:ext uri="{91240B29-F687-4f45-9708-019B960494DF}">
-                  <a14:hiddenLine xmlns="" xmlns:a14="http://schemas.microsoft.com/office/drawing/2010/main" w="9525">
+                  <a14:hiddenLine xmlns:a14="http://schemas.microsoft.com/office/drawing/2010/main" xmlns="" w="9525">
                     <a:solidFill>
                       <a:srgbClr val="000000"/>
                     </a:solidFill>
@@ -11888,7 +11888,7 @@
               </a:ln>
               <a:extLst>
                 <a:ext uri="{91240B29-F687-4f45-9708-019B960494DF}">
-                  <a14:hiddenLine xmlns="" xmlns:a14="http://schemas.microsoft.com/office/drawing/2010/main" w="9525">
+                  <a14:hiddenLine xmlns:a14="http://schemas.microsoft.com/office/drawing/2010/main" xmlns="" w="9525">
                     <a:solidFill>
                       <a:srgbClr val="000000"/>
                     </a:solidFill>
@@ -11978,7 +11978,7 @@
               </a:ln>
               <a:extLst>
                 <a:ext uri="{91240B29-F687-4f45-9708-019B960494DF}">
-                  <a14:hiddenLine xmlns="" xmlns:a14="http://schemas.microsoft.com/office/drawing/2010/main" w="9525">
+                  <a14:hiddenLine xmlns:a14="http://schemas.microsoft.com/office/drawing/2010/main" xmlns="" w="9525">
                     <a:solidFill>
                       <a:srgbClr val="000000"/>
                     </a:solidFill>
@@ -12068,7 +12068,7 @@
               </a:ln>
               <a:extLst>
                 <a:ext uri="{91240B29-F687-4f45-9708-019B960494DF}">
-                  <a14:hiddenLine xmlns="" xmlns:a14="http://schemas.microsoft.com/office/drawing/2010/main" w="9525">
+                  <a14:hiddenLine xmlns:a14="http://schemas.microsoft.com/office/drawing/2010/main" xmlns="" w="9525">
                     <a:solidFill>
                       <a:srgbClr val="000000"/>
                     </a:solidFill>
@@ -12133,7 +12133,7 @@
               </a:ln>
               <a:extLst>
                 <a:ext uri="{91240B29-F687-4f45-9708-019B960494DF}">
-                  <a14:hiddenLine xmlns="" xmlns:a14="http://schemas.microsoft.com/office/drawing/2010/main" w="9525">
+                  <a14:hiddenLine xmlns:a14="http://schemas.microsoft.com/office/drawing/2010/main" xmlns="" w="9525">
                     <a:solidFill>
                       <a:srgbClr val="000000"/>
                     </a:solidFill>
@@ -12253,7 +12253,7 @@
               </a:ln>
               <a:extLst>
                 <a:ext uri="{91240B29-F687-4f45-9708-019B960494DF}">
-                  <a14:hiddenLine xmlns="" xmlns:a14="http://schemas.microsoft.com/office/drawing/2010/main" w="9525">
+                  <a14:hiddenLine xmlns:a14="http://schemas.microsoft.com/office/drawing/2010/main" xmlns="" w="9525">
                     <a:solidFill>
                       <a:srgbClr val="000000"/>
                     </a:solidFill>
@@ -12334,7 +12334,7 @@
               </a:ln>
               <a:extLst>
                 <a:ext uri="{91240B29-F687-4f45-9708-019B960494DF}">
-                  <a14:hiddenLine xmlns="" xmlns:a14="http://schemas.microsoft.com/office/drawing/2010/main" w="9525">
+                  <a14:hiddenLine xmlns:a14="http://schemas.microsoft.com/office/drawing/2010/main" xmlns="" w="9525">
                     <a:solidFill>
                       <a:srgbClr val="000000"/>
                     </a:solidFill>
@@ -12449,7 +12449,7 @@
               </a:ln>
               <a:extLst>
                 <a:ext uri="{91240B29-F687-4f45-9708-019B960494DF}">
-                  <a14:hiddenLine xmlns="" xmlns:a14="http://schemas.microsoft.com/office/drawing/2010/main" w="9525">
+                  <a14:hiddenLine xmlns:a14="http://schemas.microsoft.com/office/drawing/2010/main" xmlns="" w="9525">
                     <a:solidFill>
                       <a:srgbClr val="000000"/>
                     </a:solidFill>
@@ -12539,7 +12539,7 @@
               </a:ln>
               <a:extLst>
                 <a:ext uri="{91240B29-F687-4f45-9708-019B960494DF}">
-                  <a14:hiddenLine xmlns="" xmlns:a14="http://schemas.microsoft.com/office/drawing/2010/main" w="9525">
+                  <a14:hiddenLine xmlns:a14="http://schemas.microsoft.com/office/drawing/2010/main" xmlns="" w="9525">
                     <a:solidFill>
                       <a:srgbClr val="000000"/>
                     </a:solidFill>
@@ -12604,7 +12604,7 @@
               </a:ln>
               <a:extLst>
                 <a:ext uri="{91240B29-F687-4f45-9708-019B960494DF}">
-                  <a14:hiddenLine xmlns="" xmlns:a14="http://schemas.microsoft.com/office/drawing/2010/main" w="9525">
+                  <a14:hiddenLine xmlns:a14="http://schemas.microsoft.com/office/drawing/2010/main" xmlns="" w="9525">
                     <a:solidFill>
                       <a:srgbClr val="000000"/>
                     </a:solidFill>
@@ -12694,7 +12694,7 @@
               </a:ln>
               <a:extLst>
                 <a:ext uri="{91240B29-F687-4f45-9708-019B960494DF}">
-                  <a14:hiddenLine xmlns="" xmlns:a14="http://schemas.microsoft.com/office/drawing/2010/main" w="9525">
+                  <a14:hiddenLine xmlns:a14="http://schemas.microsoft.com/office/drawing/2010/main" xmlns="" w="9525">
                     <a:solidFill>
                       <a:srgbClr val="000000"/>
                     </a:solidFill>
@@ -12762,7 +12762,7 @@
               </a:ln>
               <a:extLst>
                 <a:ext uri="{91240B29-F687-4f45-9708-019B960494DF}">
-                  <a14:hiddenLine xmlns="" xmlns:a14="http://schemas.microsoft.com/office/drawing/2010/main" w="9525">
+                  <a14:hiddenLine xmlns:a14="http://schemas.microsoft.com/office/drawing/2010/main" xmlns="" w="9525">
                     <a:solidFill>
                       <a:srgbClr val="000000"/>
                     </a:solidFill>
@@ -12852,7 +12852,7 @@
               </a:ln>
               <a:extLst>
                 <a:ext uri="{91240B29-F687-4f45-9708-019B960494DF}">
-                  <a14:hiddenLine xmlns="" xmlns:a14="http://schemas.microsoft.com/office/drawing/2010/main" w="9525">
+                  <a14:hiddenLine xmlns:a14="http://schemas.microsoft.com/office/drawing/2010/main" xmlns="" w="9525">
                     <a:solidFill>
                       <a:srgbClr val="000000"/>
                     </a:solidFill>
@@ -12920,7 +12920,7 @@
               </a:ln>
               <a:extLst>
                 <a:ext uri="{91240B29-F687-4f45-9708-019B960494DF}">
-                  <a14:hiddenLine xmlns="" xmlns:a14="http://schemas.microsoft.com/office/drawing/2010/main" w="9525">
+                  <a14:hiddenLine xmlns:a14="http://schemas.microsoft.com/office/drawing/2010/main" xmlns="" w="9525">
                     <a:solidFill>
                       <a:srgbClr val="000000"/>
                     </a:solidFill>
@@ -13010,7 +13010,7 @@
               </a:ln>
               <a:extLst>
                 <a:ext uri="{91240B29-F687-4f45-9708-019B960494DF}">
-                  <a14:hiddenLine xmlns="" xmlns:a14="http://schemas.microsoft.com/office/drawing/2010/main" w="9525">
+                  <a14:hiddenLine xmlns:a14="http://schemas.microsoft.com/office/drawing/2010/main" xmlns="" w="9525">
                     <a:solidFill>
                       <a:srgbClr val="000000"/>
                     </a:solidFill>
@@ -13044,7 +13044,7 @@
               </a:ln>
               <a:extLst>
                 <a:ext uri="{91240B29-F687-4f45-9708-019B960494DF}">
-                  <a14:hiddenLine xmlns="" xmlns:a14="http://schemas.microsoft.com/office/drawing/2010/main" w="9525">
+                  <a14:hiddenLine xmlns:a14="http://schemas.microsoft.com/office/drawing/2010/main" xmlns="" w="9525">
                     <a:solidFill>
                       <a:srgbClr val="000000"/>
                     </a:solidFill>
@@ -13184,7 +13184,7 @@
           <a:p>
             <a:fld id="{EC4347D3-4C9A-C240-8F14-750059DFEEB0}" type="datetimeFigureOut">
               <a:rPr lang="en-US" smtClean="0"/>
-              <a:t>8/3/23</a:t>
+              <a:t>8/15/23</a:t>
             </a:fld>
             <a:endParaRPr lang="en-US"/>
           </a:p>
@@ -39713,8 +39713,8 @@
           </p:sp>
         </mc:Fallback>
       </mc:AlternateContent>
-      <mc:AlternateContent xmlns:mc="http://schemas.openxmlformats.org/markup-compatibility/2006">
-        <mc:Choice xmlns:a14="http://schemas.microsoft.com/office/drawing/2010/main" Requires="a14">
+      <mc:AlternateContent xmlns:mc="http://schemas.openxmlformats.org/markup-compatibility/2006" xmlns:a14="http://schemas.microsoft.com/office/drawing/2010/main">
+        <mc:Choice Requires="a14">
           <p:sp>
             <p:nvSpPr>
               <p:cNvPr id="3" name="Content Placeholder 2">
@@ -39813,7 +39813,7 @@
             </p:txBody>
           </p:sp>
         </mc:Choice>
-        <mc:Fallback>
+        <mc:Fallback xmlns="">
           <p:sp>
             <p:nvSpPr>
               <p:cNvPr id="3" name="Content Placeholder 2">
